--- a/Seminarski rad I/Interna struktura i organizacija indeksa MongoDB baze podataka.pptx
+++ b/Seminarski rad I/Interna struktura i organizacija indeksa MongoDB baze podataka.pptx
@@ -7,20 +7,18 @@
   <p:sldIdLst>
     <p:sldId id="256" r:id="rId2"/>
     <p:sldId id="257" r:id="rId3"/>
-    <p:sldId id="258" r:id="rId4"/>
-    <p:sldId id="259" r:id="rId5"/>
-    <p:sldId id="260" r:id="rId6"/>
-    <p:sldId id="261" r:id="rId7"/>
-    <p:sldId id="262" r:id="rId8"/>
-    <p:sldId id="263" r:id="rId9"/>
-    <p:sldId id="265" r:id="rId10"/>
-    <p:sldId id="270" r:id="rId11"/>
-    <p:sldId id="266" r:id="rId12"/>
-    <p:sldId id="267" r:id="rId13"/>
-    <p:sldId id="268" r:id="rId14"/>
-    <p:sldId id="269" r:id="rId15"/>
-    <p:sldId id="271" r:id="rId16"/>
-    <p:sldId id="264" r:id="rId17"/>
+    <p:sldId id="259" r:id="rId4"/>
+    <p:sldId id="260" r:id="rId5"/>
+    <p:sldId id="261" r:id="rId6"/>
+    <p:sldId id="262" r:id="rId7"/>
+    <p:sldId id="263" r:id="rId8"/>
+    <p:sldId id="265" r:id="rId9"/>
+    <p:sldId id="270" r:id="rId10"/>
+    <p:sldId id="266" r:id="rId11"/>
+    <p:sldId id="267" r:id="rId12"/>
+    <p:sldId id="268" r:id="rId13"/>
+    <p:sldId id="269" r:id="rId14"/>
+    <p:sldId id="271" r:id="rId15"/>
   </p:sldIdLst>
   <p:sldSz cx="12192000" cy="6858000"/>
   <p:notesSz cx="6858000" cy="9144000"/>
@@ -313,7 +311,7 @@
           <a:p>
             <a:fld id="{4AAD347D-5ACD-4C99-B74B-A9C85AD731AF}" type="datetimeFigureOut">
               <a:rPr lang="en-US" dirty="0"/>
-              <a:t>13-Apr-20</a:t>
+              <a:t>22-Apr-20</a:t>
             </a:fld>
             <a:endParaRPr lang="en-US" dirty="0"/>
           </a:p>
@@ -583,7 +581,7 @@
           <a:p>
             <a:fld id="{4509A250-FF31-4206-8172-F9D3106AACB1}" type="datetimeFigureOut">
               <a:rPr lang="en-US" dirty="0"/>
-              <a:t>13-Apr-20</a:t>
+              <a:t>22-Apr-20</a:t>
             </a:fld>
             <a:endParaRPr lang="en-US" dirty="0"/>
           </a:p>
@@ -772,7 +770,7 @@
           <a:p>
             <a:fld id="{4509A250-FF31-4206-8172-F9D3106AACB1}" type="datetimeFigureOut">
               <a:rPr lang="en-US" dirty="0"/>
-              <a:t>13-Apr-20</a:t>
+              <a:t>22-Apr-20</a:t>
             </a:fld>
             <a:endParaRPr lang="en-US" dirty="0"/>
           </a:p>
@@ -1040,7 +1038,7 @@
           <a:p>
             <a:fld id="{4509A250-FF31-4206-8172-F9D3106AACB1}" type="datetimeFigureOut">
               <a:rPr lang="en-US" dirty="0"/>
-              <a:t>13-Apr-20</a:t>
+              <a:t>22-Apr-20</a:t>
             </a:fld>
             <a:endParaRPr lang="en-US" dirty="0"/>
           </a:p>
@@ -1376,7 +1374,7 @@
           <a:p>
             <a:fld id="{4509A250-FF31-4206-8172-F9D3106AACB1}" type="datetimeFigureOut">
               <a:rPr lang="en-US" dirty="0"/>
-              <a:t>13-Apr-20</a:t>
+              <a:t>22-Apr-20</a:t>
             </a:fld>
             <a:endParaRPr lang="en-US" dirty="0"/>
           </a:p>
@@ -1994,7 +1992,7 @@
           <a:p>
             <a:fld id="{4509A250-FF31-4206-8172-F9D3106AACB1}" type="datetimeFigureOut">
               <a:rPr lang="en-US" dirty="0"/>
-              <a:t>13-Apr-20</a:t>
+              <a:t>22-Apr-20</a:t>
             </a:fld>
             <a:endParaRPr lang="en-US" dirty="0"/>
           </a:p>
@@ -2849,7 +2847,7 @@
           <a:p>
             <a:fld id="{4509A250-FF31-4206-8172-F9D3106AACB1}" type="datetimeFigureOut">
               <a:rPr lang="en-US" dirty="0"/>
-              <a:t>13-Apr-20</a:t>
+              <a:t>22-Apr-20</a:t>
             </a:fld>
             <a:endParaRPr lang="en-US" dirty="0"/>
           </a:p>
@@ -3014,7 +3012,7 @@
           <a:p>
             <a:fld id="{4509A250-FF31-4206-8172-F9D3106AACB1}" type="datetimeFigureOut">
               <a:rPr lang="en-US" dirty="0"/>
-              <a:t>13-Apr-20</a:t>
+              <a:t>22-Apr-20</a:t>
             </a:fld>
             <a:endParaRPr lang="en-US" dirty="0"/>
           </a:p>
@@ -3189,7 +3187,7 @@
           <a:p>
             <a:fld id="{4509A250-FF31-4206-8172-F9D3106AACB1}" type="datetimeFigureOut">
               <a:rPr lang="en-US" dirty="0"/>
-              <a:t>13-Apr-20</a:t>
+              <a:t>22-Apr-20</a:t>
             </a:fld>
             <a:endParaRPr lang="en-US" dirty="0"/>
           </a:p>
@@ -3354,7 +3352,7 @@
           <a:p>
             <a:fld id="{4509A250-FF31-4206-8172-F9D3106AACB1}" type="datetimeFigureOut">
               <a:rPr lang="en-US" dirty="0"/>
-              <a:t>13-Apr-20</a:t>
+              <a:t>22-Apr-20</a:t>
             </a:fld>
             <a:endParaRPr lang="en-US" dirty="0"/>
           </a:p>
@@ -3596,7 +3594,7 @@
           <a:p>
             <a:fld id="{9796027F-7875-4030-9381-8BD8C4F21935}" type="datetimeFigureOut">
               <a:rPr lang="en-US" dirty="0"/>
-              <a:t>13-Apr-20</a:t>
+              <a:t>22-Apr-20</a:t>
             </a:fld>
             <a:endParaRPr lang="en-US" dirty="0"/>
           </a:p>
@@ -3883,7 +3881,7 @@
           <a:p>
             <a:fld id="{9796027F-7875-4030-9381-8BD8C4F21935}" type="datetimeFigureOut">
               <a:rPr lang="en-US" dirty="0"/>
-              <a:t>13-Apr-20</a:t>
+              <a:t>22-Apr-20</a:t>
             </a:fld>
             <a:endParaRPr lang="en-US" dirty="0"/>
           </a:p>
@@ -4322,7 +4320,7 @@
           <a:p>
             <a:fld id="{9796027F-7875-4030-9381-8BD8C4F21935}" type="datetimeFigureOut">
               <a:rPr lang="en-US" dirty="0"/>
-              <a:t>13-Apr-20</a:t>
+              <a:t>22-Apr-20</a:t>
             </a:fld>
             <a:endParaRPr lang="en-US" dirty="0"/>
           </a:p>
@@ -4435,7 +4433,7 @@
           <a:p>
             <a:fld id="{4509A250-FF31-4206-8172-F9D3106AACB1}" type="datetimeFigureOut">
               <a:rPr lang="en-US" dirty="0"/>
-              <a:t>13-Apr-20</a:t>
+              <a:t>22-Apr-20</a:t>
             </a:fld>
             <a:endParaRPr lang="en-US" dirty="0"/>
           </a:p>
@@ -4525,7 +4523,7 @@
           <a:p>
             <a:fld id="{4509A250-FF31-4206-8172-F9D3106AACB1}" type="datetimeFigureOut">
               <a:rPr lang="en-US" dirty="0"/>
-              <a:t>13-Apr-20</a:t>
+              <a:t>22-Apr-20</a:t>
             </a:fld>
             <a:endParaRPr lang="en-US" dirty="0"/>
           </a:p>
@@ -4799,7 +4797,7 @@
           <a:p>
             <a:fld id="{4509A250-FF31-4206-8172-F9D3106AACB1}" type="datetimeFigureOut">
               <a:rPr lang="en-US" dirty="0"/>
-              <a:t>13-Apr-20</a:t>
+              <a:t>22-Apr-20</a:t>
             </a:fld>
             <a:endParaRPr lang="en-US" dirty="0"/>
           </a:p>
@@ -5069,7 +5067,7 @@
           <a:p>
             <a:fld id="{4509A250-FF31-4206-8172-F9D3106AACB1}" type="datetimeFigureOut">
               <a:rPr lang="en-US" dirty="0"/>
-              <a:t>13-Apr-20</a:t>
+              <a:t>22-Apr-20</a:t>
             </a:fld>
             <a:endParaRPr lang="en-US" dirty="0"/>
           </a:p>
@@ -5493,7 +5491,7 @@
           <a:p>
             <a:fld id="{4AAD347D-5ACD-4C99-B74B-A9C85AD731AF}" type="datetimeFigureOut">
               <a:rPr lang="en-US" dirty="0"/>
-              <a:t>13-Apr-20</a:t>
+              <a:t>22-Apr-20</a:t>
             </a:fld>
             <a:endParaRPr lang="en-US" dirty="0"/>
           </a:p>
@@ -6132,485 +6130,6 @@
       </p:grpSpPr>
       <p:sp>
         <p:nvSpPr>
-          <p:cNvPr id="3" name="Content Placeholder 2"/>
-          <p:cNvSpPr>
-            <a:spLocks noGrp="1"/>
-          </p:cNvSpPr>
-          <p:nvPr>
-            <p:ph idx="1"/>
-          </p:nvPr>
-        </p:nvSpPr>
-        <p:spPr>
-          <a:xfrm>
-            <a:off x="646112" y="383178"/>
-            <a:ext cx="9403742" cy="5865222"/>
-          </a:xfrm>
-        </p:spPr>
-        <p:txBody>
-          <a:bodyPr/>
-          <a:lstStyle/>
-          <a:p>
-            <a:endParaRPr lang="sr-Latn-RS" dirty="0" smtClean="0">
-              <a:latin typeface="Times New Roman" panose="02020603050405020304" pitchFamily="18" charset="0"/>
-              <a:cs typeface="Times New Roman" panose="02020603050405020304" pitchFamily="18" charset="0"/>
-            </a:endParaRPr>
-          </a:p>
-          <a:p>
-            <a:endParaRPr lang="sr-Latn-RS" dirty="0">
-              <a:latin typeface="Times New Roman" panose="02020603050405020304" pitchFamily="18" charset="0"/>
-              <a:cs typeface="Times New Roman" panose="02020603050405020304" pitchFamily="18" charset="0"/>
-            </a:endParaRPr>
-          </a:p>
-          <a:p>
-            <a:endParaRPr lang="sr-Latn-RS" dirty="0" smtClean="0">
-              <a:latin typeface="Times New Roman" panose="02020603050405020304" pitchFamily="18" charset="0"/>
-              <a:cs typeface="Times New Roman" panose="02020603050405020304" pitchFamily="18" charset="0"/>
-            </a:endParaRPr>
-          </a:p>
-          <a:p>
-            <a:endParaRPr lang="sr-Latn-RS" dirty="0">
-              <a:latin typeface="Times New Roman" panose="02020603050405020304" pitchFamily="18" charset="0"/>
-              <a:cs typeface="Times New Roman" panose="02020603050405020304" pitchFamily="18" charset="0"/>
-            </a:endParaRPr>
-          </a:p>
-          <a:p>
-            <a:endParaRPr lang="sr-Latn-RS" dirty="0" smtClean="0">
-              <a:latin typeface="Times New Roman" panose="02020603050405020304" pitchFamily="18" charset="0"/>
-              <a:cs typeface="Times New Roman" panose="02020603050405020304" pitchFamily="18" charset="0"/>
-            </a:endParaRPr>
-          </a:p>
-          <a:p>
-            <a:endParaRPr lang="sr-Latn-RS" dirty="0">
-              <a:latin typeface="Times New Roman" panose="02020603050405020304" pitchFamily="18" charset="0"/>
-              <a:cs typeface="Times New Roman" panose="02020603050405020304" pitchFamily="18" charset="0"/>
-            </a:endParaRPr>
-          </a:p>
-          <a:p>
-            <a:endParaRPr lang="sr-Latn-RS" dirty="0" smtClean="0">
-              <a:latin typeface="Times New Roman" panose="02020603050405020304" pitchFamily="18" charset="0"/>
-              <a:cs typeface="Times New Roman" panose="02020603050405020304" pitchFamily="18" charset="0"/>
-            </a:endParaRPr>
-          </a:p>
-          <a:p>
-            <a:endParaRPr lang="sr-Latn-RS" dirty="0" smtClean="0">
-              <a:latin typeface="Times New Roman" panose="02020603050405020304" pitchFamily="18" charset="0"/>
-              <a:cs typeface="Times New Roman" panose="02020603050405020304" pitchFamily="18" charset="0"/>
-            </a:endParaRPr>
-          </a:p>
-          <a:p>
-            <a:endParaRPr lang="sr-Latn-RS" dirty="0">
-              <a:latin typeface="Times New Roman" panose="02020603050405020304" pitchFamily="18" charset="0"/>
-              <a:cs typeface="Times New Roman" panose="02020603050405020304" pitchFamily="18" charset="0"/>
-            </a:endParaRPr>
-          </a:p>
-          <a:p>
-            <a:r>
-              <a:rPr lang="sr-Latn-RS" b="1" i="1" dirty="0" smtClean="0">
-                <a:latin typeface="Times New Roman" panose="02020603050405020304" pitchFamily="18" charset="0"/>
-                <a:cs typeface="Times New Roman" panose="02020603050405020304" pitchFamily="18" charset="0"/>
-              </a:rPr>
-              <a:t>Hashed indeksi </a:t>
-            </a:r>
-            <a:r>
-              <a:rPr lang="sr-Latn-RS" dirty="0" smtClean="0">
-                <a:latin typeface="Times New Roman" panose="02020603050405020304" pitchFamily="18" charset="0"/>
-                <a:cs typeface="Times New Roman" panose="02020603050405020304" pitchFamily="18" charset="0"/>
-              </a:rPr>
-              <a:t>– čuva se heširana vrednost indeksiranog polja</a:t>
-            </a:r>
-          </a:p>
-          <a:p>
-            <a:pPr lvl="1"/>
-            <a:r>
-              <a:rPr lang="sr-Latn-RS" dirty="0" smtClean="0">
-                <a:latin typeface="Times New Roman" panose="02020603050405020304" pitchFamily="18" charset="0"/>
-                <a:cs typeface="Times New Roman" panose="02020603050405020304" pitchFamily="18" charset="0"/>
-              </a:rPr>
-              <a:t>Nisu podržani compound i multikey hashed indeksi</a:t>
-            </a:r>
-          </a:p>
-          <a:p>
-            <a:pPr lvl="1"/>
-            <a:r>
-              <a:rPr lang="sr-Latn-RS" dirty="0" smtClean="0">
-                <a:latin typeface="Times New Roman" panose="02020603050405020304" pitchFamily="18" charset="0"/>
-                <a:cs typeface="Times New Roman" panose="02020603050405020304" pitchFamily="18" charset="0"/>
-              </a:rPr>
-              <a:t>Podržana je samo pretraga po jednakosti</a:t>
-            </a:r>
-            <a:endParaRPr lang="en-US" dirty="0">
-              <a:latin typeface="Times New Roman" panose="02020603050405020304" pitchFamily="18" charset="0"/>
-              <a:cs typeface="Times New Roman" panose="02020603050405020304" pitchFamily="18" charset="0"/>
-            </a:endParaRPr>
-          </a:p>
-        </p:txBody>
-      </p:sp>
-      <p:pic>
-        <p:nvPicPr>
-          <p:cNvPr id="4" name="Picture 3"/>
-          <p:cNvPicPr/>
-          <p:nvPr/>
-        </p:nvPicPr>
-        <p:blipFill rotWithShape="1">
-          <a:blip r:embed="rId2">
-            <a:extLst>
-              <a:ext uri="{28A0092B-C50C-407E-A947-70E740481C1C}">
-                <a14:useLocalDpi xmlns:a14="http://schemas.microsoft.com/office/drawing/2010/main" val="0"/>
-              </a:ext>
-            </a:extLst>
-          </a:blip>
-          <a:srcRect b="93135"/>
-          <a:stretch/>
-        </p:blipFill>
-        <p:spPr>
-          <a:xfrm>
-            <a:off x="2348047" y="130629"/>
-            <a:ext cx="5933803" cy="261258"/>
-          </a:xfrm>
-          <a:prstGeom prst="rect">
-            <a:avLst/>
-          </a:prstGeom>
-        </p:spPr>
-      </p:pic>
-      <p:pic>
-        <p:nvPicPr>
-          <p:cNvPr id="5" name="Picture 4"/>
-          <p:cNvPicPr/>
-          <p:nvPr/>
-        </p:nvPicPr>
-        <p:blipFill rotWithShape="1">
-          <a:blip r:embed="rId2">
-            <a:extLst>
-              <a:ext uri="{28A0092B-C50C-407E-A947-70E740481C1C}">
-                <a14:useLocalDpi xmlns:a14="http://schemas.microsoft.com/office/drawing/2010/main" val="0"/>
-              </a:ext>
-            </a:extLst>
-          </a:blip>
-          <a:srcRect t="8784" r="28198"/>
-          <a:stretch/>
-        </p:blipFill>
-        <p:spPr>
-          <a:xfrm>
-            <a:off x="3070860" y="548640"/>
-            <a:ext cx="4758145" cy="3370218"/>
-          </a:xfrm>
-          <a:prstGeom prst="rect">
-            <a:avLst/>
-          </a:prstGeom>
-        </p:spPr>
-      </p:pic>
-    </p:spTree>
-    <p:extLst>
-      <p:ext uri="{BB962C8B-B14F-4D97-AF65-F5344CB8AC3E}">
-        <p14:creationId xmlns:p14="http://schemas.microsoft.com/office/powerpoint/2010/main" val="1775066325"/>
-      </p:ext>
-    </p:extLst>
-  </p:cSld>
-  <p:clrMapOvr>
-    <a:masterClrMapping/>
-  </p:clrMapOvr>
-  <mc:AlternateContent xmlns:mc="http://schemas.openxmlformats.org/markup-compatibility/2006" xmlns:p14="http://schemas.microsoft.com/office/powerpoint/2010/main">
-    <mc:Choice Requires="p14">
-      <p:transition spd="med" p14:dur="700">
-        <p:fade/>
-      </p:transition>
-    </mc:Choice>
-    <mc:Fallback xmlns="">
-      <p:transition spd="med">
-        <p:fade/>
-      </p:transition>
-    </mc:Fallback>
-  </mc:AlternateContent>
-  <p:timing>
-    <p:tnLst>
-      <p:par>
-        <p:cTn id="1" dur="indefinite" restart="never" nodeType="tmRoot">
-          <p:childTnLst>
-            <p:seq concurrent="1" nextAc="seek">
-              <p:cTn id="2" dur="indefinite" nodeType="mainSeq">
-                <p:childTnLst>
-                  <p:par>
-                    <p:cTn id="3" fill="hold">
-                      <p:stCondLst>
-                        <p:cond delay="indefinite"/>
-                        <p:cond evt="onBegin" delay="0">
-                          <p:tn val="2"/>
-                        </p:cond>
-                      </p:stCondLst>
-                      <p:childTnLst>
-                        <p:par>
-                          <p:cTn id="4" fill="hold">
-                            <p:stCondLst>
-                              <p:cond delay="0"/>
-                            </p:stCondLst>
-                            <p:childTnLst>
-                              <p:par>
-                                <p:cTn id="5" presetID="10" presetClass="entr" presetSubtype="0" fill="hold" nodeType="withEffect">
-                                  <p:stCondLst>
-                                    <p:cond delay="0"/>
-                                  </p:stCondLst>
-                                  <p:childTnLst>
-                                    <p:set>
-                                      <p:cBhvr>
-                                        <p:cTn id="6" dur="1" fill="hold">
-                                          <p:stCondLst>
-                                            <p:cond delay="0"/>
-                                          </p:stCondLst>
-                                        </p:cTn>
-                                        <p:tgtEl>
-                                          <p:spTgt spid="4"/>
-                                        </p:tgtEl>
-                                        <p:attrNameLst>
-                                          <p:attrName>style.visibility</p:attrName>
-                                        </p:attrNameLst>
-                                      </p:cBhvr>
-                                      <p:to>
-                                        <p:strVal val="visible"/>
-                                      </p:to>
-                                    </p:set>
-                                    <p:animEffect transition="in" filter="fade">
-                                      <p:cBhvr>
-                                        <p:cTn id="7" dur="500"/>
-                                        <p:tgtEl>
-                                          <p:spTgt spid="4"/>
-                                        </p:tgtEl>
-                                      </p:cBhvr>
-                                    </p:animEffect>
-                                  </p:childTnLst>
-                                </p:cTn>
-                              </p:par>
-                              <p:par>
-                                <p:cTn id="8" presetID="10" presetClass="entr" presetSubtype="0" fill="hold" nodeType="withEffect">
-                                  <p:stCondLst>
-                                    <p:cond delay="0"/>
-                                  </p:stCondLst>
-                                  <p:childTnLst>
-                                    <p:set>
-                                      <p:cBhvr>
-                                        <p:cTn id="9" dur="1" fill="hold">
-                                          <p:stCondLst>
-                                            <p:cond delay="0"/>
-                                          </p:stCondLst>
-                                        </p:cTn>
-                                        <p:tgtEl>
-                                          <p:spTgt spid="5"/>
-                                        </p:tgtEl>
-                                        <p:attrNameLst>
-                                          <p:attrName>style.visibility</p:attrName>
-                                        </p:attrNameLst>
-                                      </p:cBhvr>
-                                      <p:to>
-                                        <p:strVal val="visible"/>
-                                      </p:to>
-                                    </p:set>
-                                    <p:animEffect transition="in" filter="fade">
-                                      <p:cBhvr>
-                                        <p:cTn id="10" dur="500"/>
-                                        <p:tgtEl>
-                                          <p:spTgt spid="5"/>
-                                        </p:tgtEl>
-                                      </p:cBhvr>
-                                    </p:animEffect>
-                                  </p:childTnLst>
-                                </p:cTn>
-                              </p:par>
-                            </p:childTnLst>
-                          </p:cTn>
-                        </p:par>
-                      </p:childTnLst>
-                    </p:cTn>
-                  </p:par>
-                  <p:par>
-                    <p:cTn id="11" fill="hold">
-                      <p:stCondLst>
-                        <p:cond delay="indefinite"/>
-                      </p:stCondLst>
-                      <p:childTnLst>
-                        <p:par>
-                          <p:cTn id="12" fill="hold">
-                            <p:stCondLst>
-                              <p:cond delay="0"/>
-                            </p:stCondLst>
-                            <p:childTnLst>
-                              <p:par>
-                                <p:cTn id="13" presetID="10" presetClass="entr" presetSubtype="0" fill="hold" nodeType="clickEffect">
-                                  <p:stCondLst>
-                                    <p:cond delay="0"/>
-                                  </p:stCondLst>
-                                  <p:childTnLst>
-                                    <p:set>
-                                      <p:cBhvr>
-                                        <p:cTn id="14" dur="1" fill="hold">
-                                          <p:stCondLst>
-                                            <p:cond delay="0"/>
-                                          </p:stCondLst>
-                                        </p:cTn>
-                                        <p:tgtEl>
-                                          <p:spTgt spid="3">
-                                            <p:txEl>
-                                              <p:pRg st="9" end="9"/>
-                                            </p:txEl>
-                                          </p:spTgt>
-                                        </p:tgtEl>
-                                        <p:attrNameLst>
-                                          <p:attrName>style.visibility</p:attrName>
-                                        </p:attrNameLst>
-                                      </p:cBhvr>
-                                      <p:to>
-                                        <p:strVal val="visible"/>
-                                      </p:to>
-                                    </p:set>
-                                    <p:animEffect transition="in" filter="fade">
-                                      <p:cBhvr>
-                                        <p:cTn id="15" dur="500"/>
-                                        <p:tgtEl>
-                                          <p:spTgt spid="3">
-                                            <p:txEl>
-                                              <p:pRg st="9" end="9"/>
-                                            </p:txEl>
-                                          </p:spTgt>
-                                        </p:tgtEl>
-                                      </p:cBhvr>
-                                    </p:animEffect>
-                                  </p:childTnLst>
-                                </p:cTn>
-                              </p:par>
-                              <p:par>
-                                <p:cTn id="16" presetID="10" presetClass="entr" presetSubtype="0" fill="hold" nodeType="withEffect">
-                                  <p:stCondLst>
-                                    <p:cond delay="0"/>
-                                  </p:stCondLst>
-                                  <p:childTnLst>
-                                    <p:set>
-                                      <p:cBhvr>
-                                        <p:cTn id="17" dur="1" fill="hold">
-                                          <p:stCondLst>
-                                            <p:cond delay="0"/>
-                                          </p:stCondLst>
-                                        </p:cTn>
-                                        <p:tgtEl>
-                                          <p:spTgt spid="3">
-                                            <p:txEl>
-                                              <p:pRg st="10" end="10"/>
-                                            </p:txEl>
-                                          </p:spTgt>
-                                        </p:tgtEl>
-                                        <p:attrNameLst>
-                                          <p:attrName>style.visibility</p:attrName>
-                                        </p:attrNameLst>
-                                      </p:cBhvr>
-                                      <p:to>
-                                        <p:strVal val="visible"/>
-                                      </p:to>
-                                    </p:set>
-                                    <p:animEffect transition="in" filter="fade">
-                                      <p:cBhvr>
-                                        <p:cTn id="18" dur="500"/>
-                                        <p:tgtEl>
-                                          <p:spTgt spid="3">
-                                            <p:txEl>
-                                              <p:pRg st="10" end="10"/>
-                                            </p:txEl>
-                                          </p:spTgt>
-                                        </p:tgtEl>
-                                      </p:cBhvr>
-                                    </p:animEffect>
-                                  </p:childTnLst>
-                                </p:cTn>
-                              </p:par>
-                              <p:par>
-                                <p:cTn id="19" presetID="10" presetClass="entr" presetSubtype="0" fill="hold" nodeType="withEffect">
-                                  <p:stCondLst>
-                                    <p:cond delay="0"/>
-                                  </p:stCondLst>
-                                  <p:childTnLst>
-                                    <p:set>
-                                      <p:cBhvr>
-                                        <p:cTn id="20" dur="1" fill="hold">
-                                          <p:stCondLst>
-                                            <p:cond delay="0"/>
-                                          </p:stCondLst>
-                                        </p:cTn>
-                                        <p:tgtEl>
-                                          <p:spTgt spid="3">
-                                            <p:txEl>
-                                              <p:pRg st="11" end="11"/>
-                                            </p:txEl>
-                                          </p:spTgt>
-                                        </p:tgtEl>
-                                        <p:attrNameLst>
-                                          <p:attrName>style.visibility</p:attrName>
-                                        </p:attrNameLst>
-                                      </p:cBhvr>
-                                      <p:to>
-                                        <p:strVal val="visible"/>
-                                      </p:to>
-                                    </p:set>
-                                    <p:animEffect transition="in" filter="fade">
-                                      <p:cBhvr>
-                                        <p:cTn id="21" dur="500"/>
-                                        <p:tgtEl>
-                                          <p:spTgt spid="3">
-                                            <p:txEl>
-                                              <p:pRg st="11" end="11"/>
-                                            </p:txEl>
-                                          </p:spTgt>
-                                        </p:tgtEl>
-                                      </p:cBhvr>
-                                    </p:animEffect>
-                                  </p:childTnLst>
-                                </p:cTn>
-                              </p:par>
-                            </p:childTnLst>
-                          </p:cTn>
-                        </p:par>
-                      </p:childTnLst>
-                    </p:cTn>
-                  </p:par>
-                </p:childTnLst>
-              </p:cTn>
-              <p:prevCondLst>
-                <p:cond evt="onPrev" delay="0">
-                  <p:tgtEl>
-                    <p:sldTgt/>
-                  </p:tgtEl>
-                </p:cond>
-              </p:prevCondLst>
-              <p:nextCondLst>
-                <p:cond evt="onNext" delay="0">
-                  <p:tgtEl>
-                    <p:sldTgt/>
-                  </p:tgtEl>
-                </p:cond>
-              </p:nextCondLst>
-            </p:seq>
-          </p:childTnLst>
-        </p:cTn>
-      </p:par>
-    </p:tnLst>
-  </p:timing>
-</p:sld>
-</file>
-
-<file path=ppt/slides/slide11.xml><?xml version="1.0" encoding="utf-8"?>
-<p:sld xmlns:a="http://schemas.openxmlformats.org/drawingml/2006/main" xmlns:r="http://schemas.openxmlformats.org/officeDocument/2006/relationships" xmlns:p="http://schemas.openxmlformats.org/presentationml/2006/main">
-  <p:cSld>
-    <p:spTree>
-      <p:nvGrpSpPr>
-        <p:cNvPr id="1" name=""/>
-        <p:cNvGrpSpPr/>
-        <p:nvPr/>
-      </p:nvGrpSpPr>
-      <p:grpSpPr>
-        <a:xfrm>
-          <a:off x="0" y="0"/>
-          <a:ext cx="0" cy="0"/>
-          <a:chOff x="0" y="0"/>
-          <a:chExt cx="0" cy="0"/>
-        </a:xfrm>
-      </p:grpSpPr>
-      <p:sp>
-        <p:nvSpPr>
           <p:cNvPr id="2" name="Title 1"/>
           <p:cNvSpPr>
             <a:spLocks noGrp="1"/>
@@ -6673,21 +6192,7 @@
                 <a:latin typeface="Times New Roman" panose="02020603050405020304" pitchFamily="18" charset="0"/>
                 <a:cs typeface="Times New Roman" panose="02020603050405020304" pitchFamily="18" charset="0"/>
               </a:rPr>
-              <a:t>– </a:t>
-            </a:r>
-            <a:r>
-              <a:rPr lang="sr-Latn-RS" dirty="0" smtClean="0">
-                <a:latin typeface="Times New Roman" panose="02020603050405020304" pitchFamily="18" charset="0"/>
-                <a:cs typeface="Times New Roman" panose="02020603050405020304" pitchFamily="18" charset="0"/>
-              </a:rPr>
-              <a:t>ne prihvataju </a:t>
-            </a:r>
-            <a:r>
-              <a:rPr lang="sr-Latn-RS" dirty="0" smtClean="0">
-                <a:latin typeface="Times New Roman" panose="02020603050405020304" pitchFamily="18" charset="0"/>
-                <a:cs typeface="Times New Roman" panose="02020603050405020304" pitchFamily="18" charset="0"/>
-              </a:rPr>
-              <a:t>se duplikati vrednosti indeksiranih polja</a:t>
+              <a:t>– ne prihvataju se duplikati vrednosti indeksiranih polja</a:t>
             </a:r>
           </a:p>
           <a:p>
@@ -7265,7 +6770,7 @@
 </p:sld>
 </file>
 
-<file path=ppt/slides/slide12.xml><?xml version="1.0" encoding="utf-8"?>
+<file path=ppt/slides/slide11.xml><?xml version="1.0" encoding="utf-8"?>
 <p:sld xmlns:a="http://schemas.openxmlformats.org/drawingml/2006/main" xmlns:r="http://schemas.openxmlformats.org/officeDocument/2006/relationships" xmlns:p="http://schemas.openxmlformats.org/presentationml/2006/main">
   <p:cSld>
     <p:spTree>
@@ -7344,7 +6849,21 @@
                 <a:latin typeface="Times New Roman" panose="02020603050405020304" pitchFamily="18" charset="0"/>
                 <a:cs typeface="Times New Roman" panose="02020603050405020304" pitchFamily="18" charset="0"/>
               </a:rPr>
-              <a:t>– posebna vrsta single field indeksa, koristi se za automatsko uklanjanje indeksa iz kolekcije</a:t>
+              <a:t>– posebna vrsta single field indeksa, koristi se za automatsko uklanjanje </a:t>
+            </a:r>
+            <a:r>
+              <a:rPr lang="en-US" dirty="0" err="1" smtClean="0">
+                <a:latin typeface="Times New Roman" panose="02020603050405020304" pitchFamily="18" charset="0"/>
+                <a:cs typeface="Times New Roman" panose="02020603050405020304" pitchFamily="18" charset="0"/>
+              </a:rPr>
+              <a:t>dokumenata</a:t>
+            </a:r>
+            <a:r>
+              <a:rPr lang="sr-Latn-RS" dirty="0" smtClean="0">
+                <a:latin typeface="Times New Roman" panose="02020603050405020304" pitchFamily="18" charset="0"/>
+                <a:cs typeface="Times New Roman" panose="02020603050405020304" pitchFamily="18" charset="0"/>
+              </a:rPr>
+              <a:t> iz kolekcije</a:t>
             </a:r>
           </a:p>
           <a:p>
@@ -8267,7 +7786,7 @@
 </p:sld>
 </file>
 
-<file path=ppt/slides/slide13.xml><?xml version="1.0" encoding="utf-8"?>
+<file path=ppt/slides/slide12.xml><?xml version="1.0" encoding="utf-8"?>
 <p:sld xmlns:a="http://schemas.openxmlformats.org/drawingml/2006/main" xmlns:r="http://schemas.openxmlformats.org/officeDocument/2006/relationships" xmlns:p="http://schemas.openxmlformats.org/presentationml/2006/main">
   <p:cSld>
     <p:spTree>
@@ -8437,7 +7956,7 @@
 </p:sld>
 </file>
 
-<file path=ppt/slides/slide14.xml><?xml version="1.0" encoding="utf-8"?>
+<file path=ppt/slides/slide13.xml><?xml version="1.0" encoding="utf-8"?>
 <p:sld xmlns:a="http://schemas.openxmlformats.org/drawingml/2006/main" xmlns:r="http://schemas.openxmlformats.org/officeDocument/2006/relationships" xmlns:p="http://schemas.openxmlformats.org/presentationml/2006/main">
   <p:cSld>
     <p:spTree>
@@ -9153,7 +8672,7 @@
 </p:sld>
 </file>
 
-<file path=ppt/slides/slide15.xml><?xml version="1.0" encoding="utf-8"?>
+<file path=ppt/slides/slide14.xml><?xml version="1.0" encoding="utf-8"?>
 <p:sld xmlns:a="http://schemas.openxmlformats.org/drawingml/2006/main" xmlns:r="http://schemas.openxmlformats.org/officeDocument/2006/relationships" xmlns:p="http://schemas.openxmlformats.org/presentationml/2006/main">
   <p:cSld>
     <p:spTree>
@@ -9182,7 +8701,7 @@
         </p:nvSpPr>
         <p:spPr>
           <a:xfrm>
-            <a:off x="646111" y="4310743"/>
+            <a:off x="657790" y="644435"/>
             <a:ext cx="9525499" cy="1937656"/>
           </a:xfrm>
         </p:spPr>
@@ -9238,36 +8757,12 @@
       </p:sp>
       <p:pic>
         <p:nvPicPr>
-          <p:cNvPr id="4" name="Picture 3"/>
-          <p:cNvPicPr>
-            <a:picLocks noChangeAspect="1"/>
-          </p:cNvPicPr>
-          <p:nvPr/>
-        </p:nvPicPr>
-        <p:blipFill>
-          <a:blip r:embed="rId2"/>
-          <a:stretch>
-            <a:fillRect/>
-          </a:stretch>
-        </p:blipFill>
-        <p:spPr>
-          <a:xfrm>
-            <a:off x="448764" y="138521"/>
-            <a:ext cx="4179768" cy="3780336"/>
-          </a:xfrm>
-          <a:prstGeom prst="rect">
-            <a:avLst/>
-          </a:prstGeom>
-        </p:spPr>
-      </p:pic>
-      <p:pic>
-        <p:nvPicPr>
-          <p:cNvPr id="5" name="Picture 4"/>
+          <p:cNvPr id="6" name="Picture 5"/>
           <p:cNvPicPr/>
           <p:nvPr/>
         </p:nvPicPr>
         <p:blipFill>
-          <a:blip r:embed="rId3">
+          <a:blip r:embed="rId2">
             <a:extLst>
               <a:ext uri="{28A0092B-C50C-407E-A947-70E740481C1C}">
                 <a14:useLocalDpi xmlns:a14="http://schemas.microsoft.com/office/drawing/2010/main" val="0"/>
@@ -9280,88 +8775,8 @@
         </p:blipFill>
         <p:spPr>
           <a:xfrm>
-            <a:off x="5160372" y="1254577"/>
-            <a:ext cx="4776107" cy="992233"/>
-          </a:xfrm>
-          <a:prstGeom prst="rect">
-            <a:avLst/>
-          </a:prstGeom>
-        </p:spPr>
-      </p:pic>
-      <p:pic>
-        <p:nvPicPr>
-          <p:cNvPr id="6" name="Picture 5"/>
-          <p:cNvPicPr/>
-          <p:nvPr/>
-        </p:nvPicPr>
-        <p:blipFill>
-          <a:blip r:embed="rId4">
-            <a:extLst>
-              <a:ext uri="{28A0092B-C50C-407E-A947-70E740481C1C}">
-                <a14:useLocalDpi xmlns:a14="http://schemas.microsoft.com/office/drawing/2010/main" val="0"/>
-              </a:ext>
-            </a:extLst>
-          </a:blip>
-          <a:stretch>
-            <a:fillRect/>
-          </a:stretch>
-        </p:blipFill>
-        <p:spPr>
-          <a:xfrm>
-            <a:off x="2907573" y="5609407"/>
+            <a:off x="2907571" y="1734093"/>
             <a:ext cx="5025935" cy="312421"/>
-          </a:xfrm>
-          <a:prstGeom prst="rect">
-            <a:avLst/>
-          </a:prstGeom>
-        </p:spPr>
-      </p:pic>
-      <p:pic>
-        <p:nvPicPr>
-          <p:cNvPr id="7" name="Picture 6"/>
-          <p:cNvPicPr>
-            <a:picLocks noChangeAspect="1"/>
-          </p:cNvPicPr>
-          <p:nvPr/>
-        </p:nvPicPr>
-        <p:blipFill>
-          <a:blip r:embed="rId2"/>
-          <a:stretch>
-            <a:fillRect/>
-          </a:stretch>
-        </p:blipFill>
-        <p:spPr>
-          <a:xfrm>
-            <a:off x="476196" y="138521"/>
-            <a:ext cx="4179768" cy="3780336"/>
-          </a:xfrm>
-          <a:prstGeom prst="rect">
-            <a:avLst/>
-          </a:prstGeom>
-        </p:spPr>
-      </p:pic>
-      <p:pic>
-        <p:nvPicPr>
-          <p:cNvPr id="8" name="Picture 7"/>
-          <p:cNvPicPr/>
-          <p:nvPr/>
-        </p:nvPicPr>
-        <p:blipFill>
-          <a:blip r:embed="rId3">
-            <a:extLst>
-              <a:ext uri="{28A0092B-C50C-407E-A947-70E740481C1C}">
-                <a14:useLocalDpi xmlns:a14="http://schemas.microsoft.com/office/drawing/2010/main" val="0"/>
-              </a:ext>
-            </a:extLst>
-          </a:blip>
-          <a:stretch>
-            <a:fillRect/>
-          </a:stretch>
-        </p:blipFill>
-        <p:spPr>
-          <a:xfrm>
-            <a:off x="5187804" y="1254577"/>
-            <a:ext cx="4776107" cy="992233"/>
           </a:xfrm>
           <a:prstGeom prst="rect">
             <a:avLst/>
@@ -9427,7 +8842,11 @@
                                           </p:stCondLst>
                                         </p:cTn>
                                         <p:tgtEl>
-                                          <p:spTgt spid="7"/>
+                                          <p:spTgt spid="3">
+                                            <p:txEl>
+                                              <p:pRg st="0" end="0"/>
+                                            </p:txEl>
+                                          </p:spTgt>
                                         </p:tgtEl>
                                         <p:attrNameLst>
                                           <p:attrName>style.visibility</p:attrName>
@@ -9441,7 +8860,11 @@
                                       <p:cBhvr>
                                         <p:cTn id="7" dur="500"/>
                                         <p:tgtEl>
-                                          <p:spTgt spid="7"/>
+                                          <p:spTgt spid="3">
+                                            <p:txEl>
+                                              <p:pRg st="0" end="0"/>
+                                            </p:txEl>
+                                          </p:spTgt>
                                         </p:tgtEl>
                                       </p:cBhvr>
                                     </p:animEffect>
@@ -9462,7 +8885,11 @@
                                           </p:stCondLst>
                                         </p:cTn>
                                         <p:tgtEl>
-                                          <p:spTgt spid="8"/>
+                                          <p:spTgt spid="3">
+                                            <p:txEl>
+                                              <p:pRg st="1" end="1"/>
+                                            </p:txEl>
+                                          </p:spTgt>
                                         </p:tgtEl>
                                         <p:attrNameLst>
                                           <p:attrName>style.visibility</p:attrName>
@@ -9476,50 +8903,32 @@
                                       <p:cBhvr>
                                         <p:cTn id="10" dur="500"/>
                                         <p:tgtEl>
-                                          <p:spTgt spid="8"/>
+                                          <p:spTgt spid="3">
+                                            <p:txEl>
+                                              <p:pRg st="1" end="1"/>
+                                            </p:txEl>
+                                          </p:spTgt>
                                         </p:tgtEl>
                                       </p:cBhvr>
                                     </p:animEffect>
                                   </p:childTnLst>
                                 </p:cTn>
                               </p:par>
-                            </p:childTnLst>
-                          </p:cTn>
-                        </p:par>
-                      </p:childTnLst>
-                    </p:cTn>
-                  </p:par>
-                  <p:par>
-                    <p:cTn id="11" fill="hold">
-                      <p:stCondLst>
-                        <p:cond delay="indefinite"/>
-                      </p:stCondLst>
-                      <p:childTnLst>
-                        <p:par>
-                          <p:cTn id="12" fill="hold">
-                            <p:stCondLst>
-                              <p:cond delay="0"/>
-                            </p:stCondLst>
-                            <p:childTnLst>
                               <p:par>
-                                <p:cTn id="13" presetID="10" presetClass="entr" presetSubtype="0" fill="hold" nodeType="clickEffect">
+                                <p:cTn id="11" presetID="10" presetClass="entr" presetSubtype="0" fill="hold" nodeType="withEffect">
                                   <p:stCondLst>
                                     <p:cond delay="0"/>
                                   </p:stCondLst>
                                   <p:childTnLst>
                                     <p:set>
                                       <p:cBhvr>
-                                        <p:cTn id="14" dur="1" fill="hold">
+                                        <p:cTn id="12" dur="1" fill="hold">
                                           <p:stCondLst>
                                             <p:cond delay="0"/>
                                           </p:stCondLst>
                                         </p:cTn>
                                         <p:tgtEl>
-                                          <p:spTgt spid="3">
-                                            <p:txEl>
-                                              <p:pRg st="0" end="0"/>
-                                            </p:txEl>
-                                          </p:spTgt>
+                                          <p:spTgt spid="6"/>
                                         </p:tgtEl>
                                         <p:attrNameLst>
                                           <p:attrName>style.visibility</p:attrName>
@@ -9531,89 +8940,7 @@
                                     </p:set>
                                     <p:animEffect transition="in" filter="fade">
                                       <p:cBhvr>
-                                        <p:cTn id="15" dur="500"/>
-                                        <p:tgtEl>
-                                          <p:spTgt spid="3">
-                                            <p:txEl>
-                                              <p:pRg st="0" end="0"/>
-                                            </p:txEl>
-                                          </p:spTgt>
-                                        </p:tgtEl>
-                                      </p:cBhvr>
-                                    </p:animEffect>
-                                  </p:childTnLst>
-                                </p:cTn>
-                              </p:par>
-                              <p:par>
-                                <p:cTn id="16" presetID="10" presetClass="entr" presetSubtype="0" fill="hold" nodeType="withEffect">
-                                  <p:stCondLst>
-                                    <p:cond delay="0"/>
-                                  </p:stCondLst>
-                                  <p:childTnLst>
-                                    <p:set>
-                                      <p:cBhvr>
-                                        <p:cTn id="17" dur="1" fill="hold">
-                                          <p:stCondLst>
-                                            <p:cond delay="0"/>
-                                          </p:stCondLst>
-                                        </p:cTn>
-                                        <p:tgtEl>
-                                          <p:spTgt spid="3">
-                                            <p:txEl>
-                                              <p:pRg st="1" end="1"/>
-                                            </p:txEl>
-                                          </p:spTgt>
-                                        </p:tgtEl>
-                                        <p:attrNameLst>
-                                          <p:attrName>style.visibility</p:attrName>
-                                        </p:attrNameLst>
-                                      </p:cBhvr>
-                                      <p:to>
-                                        <p:strVal val="visible"/>
-                                      </p:to>
-                                    </p:set>
-                                    <p:animEffect transition="in" filter="fade">
-                                      <p:cBhvr>
-                                        <p:cTn id="18" dur="500"/>
-                                        <p:tgtEl>
-                                          <p:spTgt spid="3">
-                                            <p:txEl>
-                                              <p:pRg st="1" end="1"/>
-                                            </p:txEl>
-                                          </p:spTgt>
-                                        </p:tgtEl>
-                                      </p:cBhvr>
-                                    </p:animEffect>
-                                  </p:childTnLst>
-                                </p:cTn>
-                              </p:par>
-                              <p:par>
-                                <p:cTn id="19" presetID="10" presetClass="entr" presetSubtype="0" fill="hold" nodeType="withEffect">
-                                  <p:stCondLst>
-                                    <p:cond delay="0"/>
-                                  </p:stCondLst>
-                                  <p:childTnLst>
-                                    <p:set>
-                                      <p:cBhvr>
-                                        <p:cTn id="20" dur="1" fill="hold">
-                                          <p:stCondLst>
-                                            <p:cond delay="0"/>
-                                          </p:stCondLst>
-                                        </p:cTn>
-                                        <p:tgtEl>
-                                          <p:spTgt spid="6"/>
-                                        </p:tgtEl>
-                                        <p:attrNameLst>
-                                          <p:attrName>style.visibility</p:attrName>
-                                        </p:attrNameLst>
-                                      </p:cBhvr>
-                                      <p:to>
-                                        <p:strVal val="visible"/>
-                                      </p:to>
-                                    </p:set>
-                                    <p:animEffect transition="in" filter="fade">
-                                      <p:cBhvr>
-                                        <p:cTn id="21" dur="500"/>
+                                        <p:cTn id="13" dur="500"/>
                                         <p:tgtEl>
                                           <p:spTgt spid="6"/>
                                         </p:tgtEl>
@@ -9647,149 +8974,6 @@
             </p:seq>
           </p:childTnLst>
         </p:cTn>
-      </p:par>
-    </p:tnLst>
-  </p:timing>
-</p:sld>
-</file>
-
-<file path=ppt/slides/slide16.xml><?xml version="1.0" encoding="utf-8"?>
-<p:sld xmlns:a="http://schemas.openxmlformats.org/drawingml/2006/main" xmlns:r="http://schemas.openxmlformats.org/officeDocument/2006/relationships" xmlns:p="http://schemas.openxmlformats.org/presentationml/2006/main">
-  <p:cSld>
-    <p:spTree>
-      <p:nvGrpSpPr>
-        <p:cNvPr id="1" name=""/>
-        <p:cNvGrpSpPr/>
-        <p:nvPr/>
-      </p:nvGrpSpPr>
-      <p:grpSpPr>
-        <a:xfrm>
-          <a:off x="0" y="0"/>
-          <a:ext cx="0" cy="0"/>
-          <a:chOff x="0" y="0"/>
-          <a:chExt cx="0" cy="0"/>
-        </a:xfrm>
-      </p:grpSpPr>
-      <p:sp>
-        <p:nvSpPr>
-          <p:cNvPr id="2" name="Title 1"/>
-          <p:cNvSpPr>
-            <a:spLocks noGrp="1"/>
-          </p:cNvSpPr>
-          <p:nvPr>
-            <p:ph type="title"/>
-          </p:nvPr>
-        </p:nvSpPr>
-        <p:spPr/>
-        <p:txBody>
-          <a:bodyPr/>
-          <a:lstStyle/>
-          <a:p>
-            <a:r>
-              <a:rPr lang="sr-Latn-RS" dirty="0" smtClean="0">
-                <a:latin typeface="Times New Roman" panose="02020603050405020304" pitchFamily="18" charset="0"/>
-                <a:cs typeface="Times New Roman" panose="02020603050405020304" pitchFamily="18" charset="0"/>
-              </a:rPr>
-              <a:t>Strategije indeksiranja</a:t>
-            </a:r>
-            <a:endParaRPr lang="en-US" dirty="0">
-              <a:latin typeface="Times New Roman" panose="02020603050405020304" pitchFamily="18" charset="0"/>
-              <a:cs typeface="Times New Roman" panose="02020603050405020304" pitchFamily="18" charset="0"/>
-            </a:endParaRPr>
-          </a:p>
-        </p:txBody>
-      </p:sp>
-      <p:sp>
-        <p:nvSpPr>
-          <p:cNvPr id="3" name="Content Placeholder 2"/>
-          <p:cNvSpPr>
-            <a:spLocks noGrp="1"/>
-          </p:cNvSpPr>
-          <p:nvPr>
-            <p:ph idx="1"/>
-          </p:nvPr>
-        </p:nvSpPr>
-        <p:spPr>
-          <a:xfrm>
-            <a:off x="646112" y="1593670"/>
-            <a:ext cx="9403742" cy="4654730"/>
-          </a:xfrm>
-        </p:spPr>
-        <p:txBody>
-          <a:bodyPr/>
-          <a:lstStyle/>
-          <a:p>
-            <a:pPr algn="just"/>
-            <a:r>
-              <a:rPr lang="sr-Latn-RS" dirty="0" smtClean="0">
-                <a:latin typeface="Times New Roman" panose="02020603050405020304" pitchFamily="18" charset="0"/>
-                <a:cs typeface="Times New Roman" panose="02020603050405020304" pitchFamily="18" charset="0"/>
-              </a:rPr>
-              <a:t>Kreiranje indeksa koji podržavaju upite</a:t>
-            </a:r>
-          </a:p>
-          <a:p>
-            <a:pPr algn="just"/>
-            <a:r>
-              <a:rPr lang="sr-Latn-RS" dirty="0" smtClean="0">
-                <a:latin typeface="Times New Roman" panose="02020603050405020304" pitchFamily="18" charset="0"/>
-                <a:cs typeface="Times New Roman" panose="02020603050405020304" pitchFamily="18" charset="0"/>
-              </a:rPr>
-              <a:t>Korišćenje indeksa za sortiranje rezultata</a:t>
-            </a:r>
-          </a:p>
-          <a:p>
-            <a:pPr algn="just"/>
-            <a:r>
-              <a:rPr lang="sr-Latn-RS" dirty="0" smtClean="0">
-                <a:latin typeface="Times New Roman" panose="02020603050405020304" pitchFamily="18" charset="0"/>
-                <a:cs typeface="Times New Roman" panose="02020603050405020304" pitchFamily="18" charset="0"/>
-              </a:rPr>
-              <a:t>Osiguravanje da se indeksi uklapaju u količinu raspoloživog RAM-a</a:t>
-            </a:r>
-          </a:p>
-          <a:p>
-            <a:pPr algn="just"/>
-            <a:r>
-              <a:rPr lang="sr-Latn-RS" dirty="0" smtClean="0">
-                <a:latin typeface="Times New Roman" panose="02020603050405020304" pitchFamily="18" charset="0"/>
-                <a:cs typeface="Times New Roman" panose="02020603050405020304" pitchFamily="18" charset="0"/>
-              </a:rPr>
-              <a:t>Kreiranje upita koji osiguravaju selektivnost</a:t>
-            </a:r>
-            <a:endParaRPr lang="en-US" dirty="0">
-              <a:latin typeface="Times New Roman" panose="02020603050405020304" pitchFamily="18" charset="0"/>
-              <a:cs typeface="Times New Roman" panose="02020603050405020304" pitchFamily="18" charset="0"/>
-            </a:endParaRPr>
-          </a:p>
-        </p:txBody>
-      </p:sp>
-    </p:spTree>
-    <p:extLst>
-      <p:ext uri="{BB962C8B-B14F-4D97-AF65-F5344CB8AC3E}">
-        <p14:creationId xmlns:p14="http://schemas.microsoft.com/office/powerpoint/2010/main" val="736040645"/>
-      </p:ext>
-    </p:extLst>
-  </p:cSld>
-  <p:clrMapOvr>
-    <a:masterClrMapping/>
-  </p:clrMapOvr>
-  <mc:AlternateContent xmlns:mc="http://schemas.openxmlformats.org/markup-compatibility/2006" xmlns:p14="http://schemas.microsoft.com/office/powerpoint/2010/main">
-    <mc:Choice Requires="p14">
-      <p:transition spd="med" p14:dur="700">
-        <p:fade/>
-      </p:transition>
-    </mc:Choice>
-    <mc:Fallback xmlns="">
-      <p:transition spd="med">
-        <p:fade/>
-      </p:transition>
-    </mc:Fallback>
-  </mc:AlternateContent>
-  <p:timing>
-    <p:tnLst>
-      <p:par>
-        <p:cTn id="1" dur="indefinite" restart="never" nodeType="tmRoot"/>
       </p:par>
     </p:tnLst>
   </p:timing>
@@ -10328,7 +9512,7 @@
                 <a:latin typeface="Times New Roman" panose="02020603050405020304" pitchFamily="18" charset="0"/>
                 <a:cs typeface="Times New Roman" panose="02020603050405020304" pitchFamily="18" charset="0"/>
               </a:rPr>
-              <a:t>Organizacija fajlova</a:t>
+              <a:t>Indeksiranje</a:t>
             </a:r>
             <a:endParaRPr lang="en-US" dirty="0">
               <a:latin typeface="Times New Roman" panose="02020603050405020304" pitchFamily="18" charset="0"/>
@@ -10349,84 +9533,155 @@
         </p:nvSpPr>
         <p:spPr>
           <a:xfrm>
-            <a:off x="646112" y="1602378"/>
-            <a:ext cx="9403742" cy="4646022"/>
+            <a:off x="646112" y="1637212"/>
+            <a:ext cx="9403742" cy="4611188"/>
           </a:xfrm>
         </p:spPr>
         <p:txBody>
           <a:bodyPr/>
           <a:lstStyle/>
           <a:p>
+            <a:pPr algn="just"/>
+            <a:r>
+              <a:rPr lang="sr-Latn-RS" b="1" i="1" dirty="0" smtClean="0">
+                <a:solidFill>
+                  <a:srgbClr val="FF0000"/>
+                </a:solidFill>
+                <a:latin typeface="Times New Roman" panose="02020603050405020304" pitchFamily="18" charset="0"/>
+                <a:cs typeface="Times New Roman" panose="02020603050405020304" pitchFamily="18" charset="0"/>
+              </a:rPr>
+              <a:t>Indeks</a:t>
+            </a:r>
             <a:r>
               <a:rPr lang="sr-Latn-RS" dirty="0" smtClean="0">
                 <a:latin typeface="Times New Roman" panose="02020603050405020304" pitchFamily="18" charset="0"/>
                 <a:cs typeface="Times New Roman" panose="02020603050405020304" pitchFamily="18" charset="0"/>
               </a:rPr>
-              <a:t>Način uređenja record-a (slogova) u fajlu</a:t>
-            </a:r>
-          </a:p>
-          <a:p>
+              <a:t> – struktura podataka koja organizuje slogove na disku kako bi se optimizovalo preuzimanje slogova</a:t>
+            </a:r>
+          </a:p>
+          <a:p>
+            <a:pPr algn="just"/>
+            <a:r>
+              <a:rPr lang="sr-Latn-RS" b="1" i="1" dirty="0" smtClean="0">
+                <a:solidFill>
+                  <a:srgbClr val="FF0000"/>
+                </a:solidFill>
+                <a:latin typeface="Times New Roman" panose="02020603050405020304" pitchFamily="18" charset="0"/>
+                <a:cs typeface="Times New Roman" panose="02020603050405020304" pitchFamily="18" charset="0"/>
+              </a:rPr>
+              <a:t>Search key </a:t>
+            </a:r>
             <a:r>
               <a:rPr lang="sr-Latn-RS" dirty="0" smtClean="0">
                 <a:latin typeface="Times New Roman" panose="02020603050405020304" pitchFamily="18" charset="0"/>
                 <a:cs typeface="Times New Roman" panose="02020603050405020304" pitchFamily="18" charset="0"/>
               </a:rPr>
-              <a:t>Svaki slog ima svoj jedinstveni identifikator</a:t>
-            </a:r>
-          </a:p>
-          <a:p>
+              <a:t>– atribut ili deo atributa koji se koristi kao ključ za pretraživanje indeksa</a:t>
+            </a:r>
+          </a:p>
+          <a:p>
+            <a:pPr algn="just"/>
+            <a:r>
+              <a:rPr lang="sr-Latn-RS" b="1" i="1" dirty="0" smtClean="0">
+                <a:solidFill>
+                  <a:srgbClr val="FF0000"/>
+                </a:solidFill>
+                <a:latin typeface="Times New Roman" panose="02020603050405020304" pitchFamily="18" charset="0"/>
+                <a:cs typeface="Times New Roman" panose="02020603050405020304" pitchFamily="18" charset="0"/>
+              </a:rPr>
+              <a:t>Data entry </a:t>
+            </a:r>
             <a:r>
               <a:rPr lang="sr-Latn-RS" dirty="0" smtClean="0">
                 <a:latin typeface="Times New Roman" panose="02020603050405020304" pitchFamily="18" charset="0"/>
                 <a:cs typeface="Times New Roman" panose="02020603050405020304" pitchFamily="18" charset="0"/>
               </a:rPr>
-              <a:t>Alternative za organizaciju fajlova:</a:t>
-            </a:r>
-          </a:p>
-          <a:p>
-            <a:pPr lvl="1"/>
-            <a:r>
-              <a:rPr lang="sr-Latn-RS" b="1" i="1" dirty="0" smtClean="0">
-                <a:latin typeface="Times New Roman" panose="02020603050405020304" pitchFamily="18" charset="0"/>
-                <a:cs typeface="Times New Roman" panose="02020603050405020304" pitchFamily="18" charset="0"/>
-              </a:rPr>
-              <a:t>Heap files </a:t>
-            </a:r>
+              <a:t>– slog koji se nalazi u indeksu</a:t>
+            </a:r>
+          </a:p>
+          <a:p>
+            <a:pPr algn="just"/>
             <a:r>
               <a:rPr lang="sr-Latn-RS" dirty="0" smtClean="0">
                 <a:latin typeface="Times New Roman" panose="02020603050405020304" pitchFamily="18" charset="0"/>
                 <a:cs typeface="Times New Roman" panose="02020603050405020304" pitchFamily="18" charset="0"/>
               </a:rPr>
-              <a:t>– neuređeni fajl</a:t>
-            </a:r>
-          </a:p>
-          <a:p>
-            <a:pPr lvl="1"/>
-            <a:r>
-              <a:rPr lang="sr-Latn-RS" b="1" i="1" dirty="0" smtClean="0">
-                <a:latin typeface="Times New Roman" panose="02020603050405020304" pitchFamily="18" charset="0"/>
-                <a:cs typeface="Times New Roman" panose="02020603050405020304" pitchFamily="18" charset="0"/>
-              </a:rPr>
-              <a:t>Sorted files </a:t>
-            </a:r>
+              <a:t>Data entry može da se čuva kao:</a:t>
+            </a:r>
+          </a:p>
+          <a:p>
+            <a:pPr lvl="1" algn="just"/>
             <a:r>
               <a:rPr lang="sr-Latn-RS" dirty="0" smtClean="0">
                 <a:latin typeface="Times New Roman" panose="02020603050405020304" pitchFamily="18" charset="0"/>
                 <a:cs typeface="Times New Roman" panose="02020603050405020304" pitchFamily="18" charset="0"/>
               </a:rPr>
-              <a:t>– slogovi su uređeni na osnovu nekog polja</a:t>
-            </a:r>
-          </a:p>
-          <a:p>
-            <a:pPr lvl="1"/>
-            <a:r>
-              <a:rPr lang="sr-Latn-RS" b="1" i="1" dirty="0" smtClean="0">
+              <a:t>Ceo slog sa ključem pretrage k</a:t>
+            </a:r>
+          </a:p>
+          <a:p>
+            <a:pPr lvl="1" algn="just"/>
+            <a:r>
+              <a:rPr lang="sr-Latn-RS" i="1" dirty="0" smtClean="0">
                 <a:latin typeface="Times New Roman" panose="02020603050405020304" pitchFamily="18" charset="0"/>
                 <a:cs typeface="Times New Roman" panose="02020603050405020304" pitchFamily="18" charset="0"/>
               </a:rPr>
-              <a:t>Hashed files</a:t>
-            </a:r>
-            <a:endParaRPr lang="en-US" b="1" i="1" dirty="0">
+              <a:t>(k, rid) </a:t>
+            </a:r>
+            <a:r>
+              <a:rPr lang="sr-Latn-RS" dirty="0" smtClean="0">
+                <a:latin typeface="Times New Roman" panose="02020603050405020304" pitchFamily="18" charset="0"/>
+                <a:cs typeface="Times New Roman" panose="02020603050405020304" pitchFamily="18" charset="0"/>
+              </a:rPr>
+              <a:t>par, gde je </a:t>
+            </a:r>
+            <a:r>
+              <a:rPr lang="sr-Latn-RS" i="1" dirty="0" smtClean="0">
+                <a:latin typeface="Times New Roman" panose="02020603050405020304" pitchFamily="18" charset="0"/>
+                <a:cs typeface="Times New Roman" panose="02020603050405020304" pitchFamily="18" charset="0"/>
+              </a:rPr>
+              <a:t>rid</a:t>
+            </a:r>
+            <a:r>
+              <a:rPr lang="sr-Latn-RS" dirty="0" smtClean="0">
+                <a:latin typeface="Times New Roman" panose="02020603050405020304" pitchFamily="18" charset="0"/>
+                <a:cs typeface="Times New Roman" panose="02020603050405020304" pitchFamily="18" charset="0"/>
+              </a:rPr>
+              <a:t> id sloga sa ključem pretrage k</a:t>
+            </a:r>
+          </a:p>
+          <a:p>
+            <a:pPr lvl="1" algn="just"/>
+            <a:r>
+              <a:rPr lang="sr-Latn-RS" i="1" dirty="0" smtClean="0">
+                <a:latin typeface="Times New Roman" panose="02020603050405020304" pitchFamily="18" charset="0"/>
+                <a:cs typeface="Times New Roman" panose="02020603050405020304" pitchFamily="18" charset="0"/>
+              </a:rPr>
+              <a:t>(k, rid-list) </a:t>
+            </a:r>
+            <a:r>
+              <a:rPr lang="sr-Latn-RS" dirty="0" smtClean="0">
+                <a:latin typeface="Times New Roman" panose="02020603050405020304" pitchFamily="18" charset="0"/>
+                <a:cs typeface="Times New Roman" panose="02020603050405020304" pitchFamily="18" charset="0"/>
+              </a:rPr>
+              <a:t>par, gde je </a:t>
+            </a:r>
+            <a:r>
+              <a:rPr lang="sr-Latn-RS" i="1" dirty="0" smtClean="0">
+                <a:latin typeface="Times New Roman" panose="02020603050405020304" pitchFamily="18" charset="0"/>
+                <a:cs typeface="Times New Roman" panose="02020603050405020304" pitchFamily="18" charset="0"/>
+              </a:rPr>
+              <a:t>rid-list</a:t>
+            </a:r>
+            <a:r>
+              <a:rPr lang="sr-Latn-RS" dirty="0" smtClean="0">
+                <a:latin typeface="Times New Roman" panose="02020603050405020304" pitchFamily="18" charset="0"/>
+                <a:cs typeface="Times New Roman" panose="02020603050405020304" pitchFamily="18" charset="0"/>
+              </a:rPr>
+              <a:t> lista id-jeva slogova sa ključem pretrage k</a:t>
+            </a:r>
+            <a:endParaRPr lang="en-US" dirty="0">
               <a:latin typeface="Times New Roman" panose="02020603050405020304" pitchFamily="18" charset="0"/>
               <a:cs typeface="Times New Roman" panose="02020603050405020304" pitchFamily="18" charset="0"/>
             </a:endParaRPr>
@@ -10436,7 +9691,7 @@
     </p:spTree>
     <p:extLst>
       <p:ext uri="{BB962C8B-B14F-4D97-AF65-F5344CB8AC3E}">
-        <p14:creationId xmlns:p14="http://schemas.microsoft.com/office/powerpoint/2010/main" val="4085286856"/>
+        <p14:creationId xmlns:p14="http://schemas.microsoft.com/office/powerpoint/2010/main" val="3174711879"/>
       </p:ext>
     </p:extLst>
   </p:cSld>
@@ -10599,6 +9854,49 @@
                                   </p:childTnLst>
                                 </p:cTn>
                               </p:par>
+                              <p:par>
+                                <p:cTn id="14" presetID="10" presetClass="entr" presetSubtype="0" fill="hold" nodeType="withEffect">
+                                  <p:stCondLst>
+                                    <p:cond delay="0"/>
+                                  </p:stCondLst>
+                                  <p:childTnLst>
+                                    <p:set>
+                                      <p:cBhvr>
+                                        <p:cTn id="15" dur="1" fill="hold">
+                                          <p:stCondLst>
+                                            <p:cond delay="0"/>
+                                          </p:stCondLst>
+                                        </p:cTn>
+                                        <p:tgtEl>
+                                          <p:spTgt spid="3">
+                                            <p:txEl>
+                                              <p:pRg st="2" end="2"/>
+                                            </p:txEl>
+                                          </p:spTgt>
+                                        </p:tgtEl>
+                                        <p:attrNameLst>
+                                          <p:attrName>style.visibility</p:attrName>
+                                        </p:attrNameLst>
+                                      </p:cBhvr>
+                                      <p:to>
+                                        <p:strVal val="visible"/>
+                                      </p:to>
+                                    </p:set>
+                                    <p:animEffect transition="in" filter="fade">
+                                      <p:cBhvr>
+                                        <p:cTn id="16" dur="500"/>
+                                        <p:tgtEl>
+                                          <p:spTgt spid="3">
+                                            <p:txEl>
+                                              <p:pRg st="2" end="2"/>
+                                            </p:txEl>
+                                          </p:spTgt>
+                                        </p:tgtEl>
+                                      </p:cBhvr>
+                                    </p:animEffect>
+                                  </p:childTnLst>
+                                </p:cTn>
+                              </p:par>
                             </p:childTnLst>
                           </p:cTn>
                         </p:par>
@@ -10606,62 +9904,19 @@
                     </p:cTn>
                   </p:par>
                   <p:par>
-                    <p:cTn id="14" fill="hold">
+                    <p:cTn id="17" fill="hold">
                       <p:stCondLst>
                         <p:cond delay="indefinite"/>
                       </p:stCondLst>
                       <p:childTnLst>
                         <p:par>
-                          <p:cTn id="15" fill="hold">
+                          <p:cTn id="18" fill="hold">
                             <p:stCondLst>
                               <p:cond delay="0"/>
                             </p:stCondLst>
                             <p:childTnLst>
                               <p:par>
-                                <p:cTn id="16" presetID="10" presetClass="entr" presetSubtype="0" fill="hold" nodeType="clickEffect">
-                                  <p:stCondLst>
-                                    <p:cond delay="0"/>
-                                  </p:stCondLst>
-                                  <p:childTnLst>
-                                    <p:set>
-                                      <p:cBhvr>
-                                        <p:cTn id="17" dur="1" fill="hold">
-                                          <p:stCondLst>
-                                            <p:cond delay="0"/>
-                                          </p:stCondLst>
-                                        </p:cTn>
-                                        <p:tgtEl>
-                                          <p:spTgt spid="3">
-                                            <p:txEl>
-                                              <p:pRg st="2" end="2"/>
-                                            </p:txEl>
-                                          </p:spTgt>
-                                        </p:tgtEl>
-                                        <p:attrNameLst>
-                                          <p:attrName>style.visibility</p:attrName>
-                                        </p:attrNameLst>
-                                      </p:cBhvr>
-                                      <p:to>
-                                        <p:strVal val="visible"/>
-                                      </p:to>
-                                    </p:set>
-                                    <p:animEffect transition="in" filter="fade">
-                                      <p:cBhvr>
-                                        <p:cTn id="18" dur="500"/>
-                                        <p:tgtEl>
-                                          <p:spTgt spid="3">
-                                            <p:txEl>
-                                              <p:pRg st="2" end="2"/>
-                                            </p:txEl>
-                                          </p:spTgt>
-                                        </p:tgtEl>
-                                      </p:cBhvr>
-                                    </p:animEffect>
-                                  </p:childTnLst>
-                                </p:cTn>
-                              </p:par>
-                              <p:par>
-                                <p:cTn id="19" presetID="10" presetClass="entr" presetSubtype="0" fill="hold" nodeType="withEffect">
+                                <p:cTn id="19" presetID="10" presetClass="entr" presetSubtype="0" fill="hold" nodeType="clickEffect">
                                   <p:stCondLst>
                                     <p:cond delay="0"/>
                                   </p:stCondLst>
@@ -10781,6 +10036,49 @@
                                           <p:spTgt spid="3">
                                             <p:txEl>
                                               <p:pRg st="5" end="5"/>
+                                            </p:txEl>
+                                          </p:spTgt>
+                                        </p:tgtEl>
+                                      </p:cBhvr>
+                                    </p:animEffect>
+                                  </p:childTnLst>
+                                </p:cTn>
+                              </p:par>
+                              <p:par>
+                                <p:cTn id="28" presetID="10" presetClass="entr" presetSubtype="0" fill="hold" nodeType="withEffect">
+                                  <p:stCondLst>
+                                    <p:cond delay="0"/>
+                                  </p:stCondLst>
+                                  <p:childTnLst>
+                                    <p:set>
+                                      <p:cBhvr>
+                                        <p:cTn id="29" dur="1" fill="hold">
+                                          <p:stCondLst>
+                                            <p:cond delay="0"/>
+                                          </p:stCondLst>
+                                        </p:cTn>
+                                        <p:tgtEl>
+                                          <p:spTgt spid="3">
+                                            <p:txEl>
+                                              <p:pRg st="6" end="6"/>
+                                            </p:txEl>
+                                          </p:spTgt>
+                                        </p:tgtEl>
+                                        <p:attrNameLst>
+                                          <p:attrName>style.visibility</p:attrName>
+                                        </p:attrNameLst>
+                                      </p:cBhvr>
+                                      <p:to>
+                                        <p:strVal val="visible"/>
+                                      </p:to>
+                                    </p:set>
+                                    <p:animEffect transition="in" filter="fade">
+                                      <p:cBhvr>
+                                        <p:cTn id="30" dur="500"/>
+                                        <p:tgtEl>
+                                          <p:spTgt spid="3">
+                                            <p:txEl>
+                                              <p:pRg st="6" end="6"/>
                                             </p:txEl>
                                           </p:spTgt>
                                         </p:tgtEl>
@@ -10856,657 +10154,18 @@
           <a:lstStyle/>
           <a:p>
             <a:r>
+              <a:rPr lang="en-US" dirty="0" smtClean="0">
+                <a:latin typeface="Times New Roman" panose="02020603050405020304" pitchFamily="18" charset="0"/>
+                <a:cs typeface="Times New Roman" panose="02020603050405020304" pitchFamily="18" charset="0"/>
+              </a:rPr>
+              <a:t>O</a:t>
+            </a:r>
+            <a:r>
               <a:rPr lang="sr-Latn-RS" dirty="0" smtClean="0">
                 <a:latin typeface="Times New Roman" panose="02020603050405020304" pitchFamily="18" charset="0"/>
                 <a:cs typeface="Times New Roman" panose="02020603050405020304" pitchFamily="18" charset="0"/>
               </a:rPr>
-              <a:t>Indeksiranje</a:t>
-            </a:r>
-            <a:endParaRPr lang="en-US" dirty="0">
-              <a:latin typeface="Times New Roman" panose="02020603050405020304" pitchFamily="18" charset="0"/>
-              <a:cs typeface="Times New Roman" panose="02020603050405020304" pitchFamily="18" charset="0"/>
-            </a:endParaRPr>
-          </a:p>
-        </p:txBody>
-      </p:sp>
-      <p:sp>
-        <p:nvSpPr>
-          <p:cNvPr id="3" name="Content Placeholder 2"/>
-          <p:cNvSpPr>
-            <a:spLocks noGrp="1"/>
-          </p:cNvSpPr>
-          <p:nvPr>
-            <p:ph idx="1"/>
-          </p:nvPr>
-        </p:nvSpPr>
-        <p:spPr>
-          <a:xfrm>
-            <a:off x="646112" y="1637212"/>
-            <a:ext cx="9403742" cy="4611188"/>
-          </a:xfrm>
-        </p:spPr>
-        <p:txBody>
-          <a:bodyPr/>
-          <a:lstStyle/>
-          <a:p>
-            <a:pPr algn="just"/>
-            <a:r>
-              <a:rPr lang="sr-Latn-RS" b="1" i="1" dirty="0" smtClean="0">
-                <a:solidFill>
-                  <a:srgbClr val="FF0000"/>
-                </a:solidFill>
-                <a:latin typeface="Times New Roman" panose="02020603050405020304" pitchFamily="18" charset="0"/>
-                <a:cs typeface="Times New Roman" panose="02020603050405020304" pitchFamily="18" charset="0"/>
-              </a:rPr>
-              <a:t>Indeks</a:t>
-            </a:r>
-            <a:r>
-              <a:rPr lang="sr-Latn-RS" dirty="0" smtClean="0">
-                <a:latin typeface="Times New Roman" panose="02020603050405020304" pitchFamily="18" charset="0"/>
-                <a:cs typeface="Times New Roman" panose="02020603050405020304" pitchFamily="18" charset="0"/>
-              </a:rPr>
-              <a:t> – struktura podataka koja organizuje slogove na disku kako bi se optimizovalo preuzimanje slogova</a:t>
-            </a:r>
-          </a:p>
-          <a:p>
-            <a:pPr algn="just"/>
-            <a:r>
-              <a:rPr lang="sr-Latn-RS" b="1" i="1" dirty="0" smtClean="0">
-                <a:solidFill>
-                  <a:srgbClr val="FF0000"/>
-                </a:solidFill>
-                <a:latin typeface="Times New Roman" panose="02020603050405020304" pitchFamily="18" charset="0"/>
-                <a:cs typeface="Times New Roman" panose="02020603050405020304" pitchFamily="18" charset="0"/>
-              </a:rPr>
-              <a:t>Search key </a:t>
-            </a:r>
-            <a:r>
-              <a:rPr lang="sr-Latn-RS" dirty="0" smtClean="0">
-                <a:latin typeface="Times New Roman" panose="02020603050405020304" pitchFamily="18" charset="0"/>
-                <a:cs typeface="Times New Roman" panose="02020603050405020304" pitchFamily="18" charset="0"/>
-              </a:rPr>
-              <a:t>– atribut ili deo atributa koji se koristi kao ključ za pretraživanje indeksa</a:t>
-            </a:r>
-          </a:p>
-          <a:p>
-            <a:pPr algn="just"/>
-            <a:r>
-              <a:rPr lang="sr-Latn-RS" b="1" i="1" dirty="0" smtClean="0">
-                <a:solidFill>
-                  <a:srgbClr val="FF0000"/>
-                </a:solidFill>
-                <a:latin typeface="Times New Roman" panose="02020603050405020304" pitchFamily="18" charset="0"/>
-                <a:cs typeface="Times New Roman" panose="02020603050405020304" pitchFamily="18" charset="0"/>
-              </a:rPr>
-              <a:t>Data entry </a:t>
-            </a:r>
-            <a:r>
-              <a:rPr lang="sr-Latn-RS" dirty="0" smtClean="0">
-                <a:latin typeface="Times New Roman" panose="02020603050405020304" pitchFamily="18" charset="0"/>
-                <a:cs typeface="Times New Roman" panose="02020603050405020304" pitchFamily="18" charset="0"/>
-              </a:rPr>
-              <a:t>– slog koji se nalazi u indeksu</a:t>
-            </a:r>
-          </a:p>
-          <a:p>
-            <a:pPr algn="just"/>
-            <a:r>
-              <a:rPr lang="sr-Latn-RS" dirty="0" smtClean="0">
-                <a:latin typeface="Times New Roman" panose="02020603050405020304" pitchFamily="18" charset="0"/>
-                <a:cs typeface="Times New Roman" panose="02020603050405020304" pitchFamily="18" charset="0"/>
-              </a:rPr>
-              <a:t>Data entry može da se čuva kao:</a:t>
-            </a:r>
-          </a:p>
-          <a:p>
-            <a:pPr lvl="1" algn="just"/>
-            <a:r>
-              <a:rPr lang="sr-Latn-RS" dirty="0" smtClean="0">
-                <a:latin typeface="Times New Roman" panose="02020603050405020304" pitchFamily="18" charset="0"/>
-                <a:cs typeface="Times New Roman" panose="02020603050405020304" pitchFamily="18" charset="0"/>
-              </a:rPr>
-              <a:t>Ceo slog sa ključem pretrage k</a:t>
-            </a:r>
-          </a:p>
-          <a:p>
-            <a:pPr lvl="1" algn="just"/>
-            <a:r>
-              <a:rPr lang="sr-Latn-RS" i="1" dirty="0" smtClean="0">
-                <a:latin typeface="Times New Roman" panose="02020603050405020304" pitchFamily="18" charset="0"/>
-                <a:cs typeface="Times New Roman" panose="02020603050405020304" pitchFamily="18" charset="0"/>
-              </a:rPr>
-              <a:t>(k, rid) </a:t>
-            </a:r>
-            <a:r>
-              <a:rPr lang="sr-Latn-RS" dirty="0" smtClean="0">
-                <a:latin typeface="Times New Roman" panose="02020603050405020304" pitchFamily="18" charset="0"/>
-                <a:cs typeface="Times New Roman" panose="02020603050405020304" pitchFamily="18" charset="0"/>
-              </a:rPr>
-              <a:t>par, gde je </a:t>
-            </a:r>
-            <a:r>
-              <a:rPr lang="sr-Latn-RS" i="1" dirty="0" smtClean="0">
-                <a:latin typeface="Times New Roman" panose="02020603050405020304" pitchFamily="18" charset="0"/>
-                <a:cs typeface="Times New Roman" panose="02020603050405020304" pitchFamily="18" charset="0"/>
-              </a:rPr>
-              <a:t>rid</a:t>
-            </a:r>
-            <a:r>
-              <a:rPr lang="sr-Latn-RS" dirty="0" smtClean="0">
-                <a:latin typeface="Times New Roman" panose="02020603050405020304" pitchFamily="18" charset="0"/>
-                <a:cs typeface="Times New Roman" panose="02020603050405020304" pitchFamily="18" charset="0"/>
-              </a:rPr>
-              <a:t> id sloga sa ključem pretrage k</a:t>
-            </a:r>
-          </a:p>
-          <a:p>
-            <a:pPr lvl="1" algn="just"/>
-            <a:r>
-              <a:rPr lang="sr-Latn-RS" i="1" dirty="0" smtClean="0">
-                <a:latin typeface="Times New Roman" panose="02020603050405020304" pitchFamily="18" charset="0"/>
-                <a:cs typeface="Times New Roman" panose="02020603050405020304" pitchFamily="18" charset="0"/>
-              </a:rPr>
-              <a:t>(k, rid-list) </a:t>
-            </a:r>
-            <a:r>
-              <a:rPr lang="sr-Latn-RS" dirty="0" smtClean="0">
-                <a:latin typeface="Times New Roman" panose="02020603050405020304" pitchFamily="18" charset="0"/>
-                <a:cs typeface="Times New Roman" panose="02020603050405020304" pitchFamily="18" charset="0"/>
-              </a:rPr>
-              <a:t>par, gde je </a:t>
-            </a:r>
-            <a:r>
-              <a:rPr lang="sr-Latn-RS" i="1" dirty="0" smtClean="0">
-                <a:latin typeface="Times New Roman" panose="02020603050405020304" pitchFamily="18" charset="0"/>
-                <a:cs typeface="Times New Roman" panose="02020603050405020304" pitchFamily="18" charset="0"/>
-              </a:rPr>
-              <a:t>rid-list</a:t>
-            </a:r>
-            <a:r>
-              <a:rPr lang="sr-Latn-RS" dirty="0" smtClean="0">
-                <a:latin typeface="Times New Roman" panose="02020603050405020304" pitchFamily="18" charset="0"/>
-                <a:cs typeface="Times New Roman" panose="02020603050405020304" pitchFamily="18" charset="0"/>
-              </a:rPr>
-              <a:t> lista id-jeva slogova sa ključem pretrage k</a:t>
-            </a:r>
-            <a:endParaRPr lang="en-US" dirty="0">
-              <a:latin typeface="Times New Roman" panose="02020603050405020304" pitchFamily="18" charset="0"/>
-              <a:cs typeface="Times New Roman" panose="02020603050405020304" pitchFamily="18" charset="0"/>
-            </a:endParaRPr>
-          </a:p>
-        </p:txBody>
-      </p:sp>
-    </p:spTree>
-    <p:extLst>
-      <p:ext uri="{BB962C8B-B14F-4D97-AF65-F5344CB8AC3E}">
-        <p14:creationId xmlns:p14="http://schemas.microsoft.com/office/powerpoint/2010/main" val="3174711879"/>
-      </p:ext>
-    </p:extLst>
-  </p:cSld>
-  <p:clrMapOvr>
-    <a:masterClrMapping/>
-  </p:clrMapOvr>
-  <mc:AlternateContent xmlns:mc="http://schemas.openxmlformats.org/markup-compatibility/2006" xmlns:p14="http://schemas.microsoft.com/office/powerpoint/2010/main">
-    <mc:Choice Requires="p14">
-      <p:transition spd="med" p14:dur="700">
-        <p:fade/>
-      </p:transition>
-    </mc:Choice>
-    <mc:Fallback xmlns="">
-      <p:transition spd="med">
-        <p:fade/>
-      </p:transition>
-    </mc:Fallback>
-  </mc:AlternateContent>
-  <p:timing>
-    <p:tnLst>
-      <p:par>
-        <p:cTn id="1" dur="indefinite" restart="never" nodeType="tmRoot">
-          <p:childTnLst>
-            <p:seq concurrent="1" nextAc="seek">
-              <p:cTn id="2" dur="indefinite" nodeType="mainSeq">
-                <p:childTnLst>
-                  <p:par>
-                    <p:cTn id="3" fill="hold">
-                      <p:stCondLst>
-                        <p:cond delay="indefinite"/>
-                        <p:cond evt="onBegin" delay="0">
-                          <p:tn val="2"/>
-                        </p:cond>
-                      </p:stCondLst>
-                      <p:childTnLst>
-                        <p:par>
-                          <p:cTn id="4" fill="hold">
-                            <p:stCondLst>
-                              <p:cond delay="0"/>
-                            </p:stCondLst>
-                            <p:childTnLst>
-                              <p:par>
-                                <p:cTn id="5" presetID="10" presetClass="entr" presetSubtype="0" fill="hold" grpId="0" nodeType="withEffect">
-                                  <p:stCondLst>
-                                    <p:cond delay="0"/>
-                                  </p:stCondLst>
-                                  <p:childTnLst>
-                                    <p:set>
-                                      <p:cBhvr>
-                                        <p:cTn id="6" dur="1" fill="hold">
-                                          <p:stCondLst>
-                                            <p:cond delay="0"/>
-                                          </p:stCondLst>
-                                        </p:cTn>
-                                        <p:tgtEl>
-                                          <p:spTgt spid="2"/>
-                                        </p:tgtEl>
-                                        <p:attrNameLst>
-                                          <p:attrName>style.visibility</p:attrName>
-                                        </p:attrNameLst>
-                                      </p:cBhvr>
-                                      <p:to>
-                                        <p:strVal val="visible"/>
-                                      </p:to>
-                                    </p:set>
-                                    <p:animEffect transition="in" filter="fade">
-                                      <p:cBhvr>
-                                        <p:cTn id="7" dur="500"/>
-                                        <p:tgtEl>
-                                          <p:spTgt spid="2"/>
-                                        </p:tgtEl>
-                                      </p:cBhvr>
-                                    </p:animEffect>
-                                  </p:childTnLst>
-                                </p:cTn>
-                              </p:par>
-                              <p:par>
-                                <p:cTn id="8" presetID="10" presetClass="entr" presetSubtype="0" fill="hold" nodeType="withEffect">
-                                  <p:stCondLst>
-                                    <p:cond delay="0"/>
-                                  </p:stCondLst>
-                                  <p:childTnLst>
-                                    <p:set>
-                                      <p:cBhvr>
-                                        <p:cTn id="9" dur="1" fill="hold">
-                                          <p:stCondLst>
-                                            <p:cond delay="0"/>
-                                          </p:stCondLst>
-                                        </p:cTn>
-                                        <p:tgtEl>
-                                          <p:spTgt spid="3">
-                                            <p:txEl>
-                                              <p:pRg st="0" end="0"/>
-                                            </p:txEl>
-                                          </p:spTgt>
-                                        </p:tgtEl>
-                                        <p:attrNameLst>
-                                          <p:attrName>style.visibility</p:attrName>
-                                        </p:attrNameLst>
-                                      </p:cBhvr>
-                                      <p:to>
-                                        <p:strVal val="visible"/>
-                                      </p:to>
-                                    </p:set>
-                                    <p:animEffect transition="in" filter="fade">
-                                      <p:cBhvr>
-                                        <p:cTn id="10" dur="500"/>
-                                        <p:tgtEl>
-                                          <p:spTgt spid="3">
-                                            <p:txEl>
-                                              <p:pRg st="0" end="0"/>
-                                            </p:txEl>
-                                          </p:spTgt>
-                                        </p:tgtEl>
-                                      </p:cBhvr>
-                                    </p:animEffect>
-                                  </p:childTnLst>
-                                </p:cTn>
-                              </p:par>
-                              <p:par>
-                                <p:cTn id="11" presetID="10" presetClass="entr" presetSubtype="0" fill="hold" nodeType="withEffect">
-                                  <p:stCondLst>
-                                    <p:cond delay="0"/>
-                                  </p:stCondLst>
-                                  <p:childTnLst>
-                                    <p:set>
-                                      <p:cBhvr>
-                                        <p:cTn id="12" dur="1" fill="hold">
-                                          <p:stCondLst>
-                                            <p:cond delay="0"/>
-                                          </p:stCondLst>
-                                        </p:cTn>
-                                        <p:tgtEl>
-                                          <p:spTgt spid="3">
-                                            <p:txEl>
-                                              <p:pRg st="1" end="1"/>
-                                            </p:txEl>
-                                          </p:spTgt>
-                                        </p:tgtEl>
-                                        <p:attrNameLst>
-                                          <p:attrName>style.visibility</p:attrName>
-                                        </p:attrNameLst>
-                                      </p:cBhvr>
-                                      <p:to>
-                                        <p:strVal val="visible"/>
-                                      </p:to>
-                                    </p:set>
-                                    <p:animEffect transition="in" filter="fade">
-                                      <p:cBhvr>
-                                        <p:cTn id="13" dur="500"/>
-                                        <p:tgtEl>
-                                          <p:spTgt spid="3">
-                                            <p:txEl>
-                                              <p:pRg st="1" end="1"/>
-                                            </p:txEl>
-                                          </p:spTgt>
-                                        </p:tgtEl>
-                                      </p:cBhvr>
-                                    </p:animEffect>
-                                  </p:childTnLst>
-                                </p:cTn>
-                              </p:par>
-                              <p:par>
-                                <p:cTn id="14" presetID="10" presetClass="entr" presetSubtype="0" fill="hold" nodeType="withEffect">
-                                  <p:stCondLst>
-                                    <p:cond delay="0"/>
-                                  </p:stCondLst>
-                                  <p:childTnLst>
-                                    <p:set>
-                                      <p:cBhvr>
-                                        <p:cTn id="15" dur="1" fill="hold">
-                                          <p:stCondLst>
-                                            <p:cond delay="0"/>
-                                          </p:stCondLst>
-                                        </p:cTn>
-                                        <p:tgtEl>
-                                          <p:spTgt spid="3">
-                                            <p:txEl>
-                                              <p:pRg st="2" end="2"/>
-                                            </p:txEl>
-                                          </p:spTgt>
-                                        </p:tgtEl>
-                                        <p:attrNameLst>
-                                          <p:attrName>style.visibility</p:attrName>
-                                        </p:attrNameLst>
-                                      </p:cBhvr>
-                                      <p:to>
-                                        <p:strVal val="visible"/>
-                                      </p:to>
-                                    </p:set>
-                                    <p:animEffect transition="in" filter="fade">
-                                      <p:cBhvr>
-                                        <p:cTn id="16" dur="500"/>
-                                        <p:tgtEl>
-                                          <p:spTgt spid="3">
-                                            <p:txEl>
-                                              <p:pRg st="2" end="2"/>
-                                            </p:txEl>
-                                          </p:spTgt>
-                                        </p:tgtEl>
-                                      </p:cBhvr>
-                                    </p:animEffect>
-                                  </p:childTnLst>
-                                </p:cTn>
-                              </p:par>
-                            </p:childTnLst>
-                          </p:cTn>
-                        </p:par>
-                      </p:childTnLst>
-                    </p:cTn>
-                  </p:par>
-                  <p:par>
-                    <p:cTn id="17" fill="hold">
-                      <p:stCondLst>
-                        <p:cond delay="indefinite"/>
-                      </p:stCondLst>
-                      <p:childTnLst>
-                        <p:par>
-                          <p:cTn id="18" fill="hold">
-                            <p:stCondLst>
-                              <p:cond delay="0"/>
-                            </p:stCondLst>
-                            <p:childTnLst>
-                              <p:par>
-                                <p:cTn id="19" presetID="10" presetClass="entr" presetSubtype="0" fill="hold" nodeType="clickEffect">
-                                  <p:stCondLst>
-                                    <p:cond delay="0"/>
-                                  </p:stCondLst>
-                                  <p:childTnLst>
-                                    <p:set>
-                                      <p:cBhvr>
-                                        <p:cTn id="20" dur="1" fill="hold">
-                                          <p:stCondLst>
-                                            <p:cond delay="0"/>
-                                          </p:stCondLst>
-                                        </p:cTn>
-                                        <p:tgtEl>
-                                          <p:spTgt spid="3">
-                                            <p:txEl>
-                                              <p:pRg st="3" end="3"/>
-                                            </p:txEl>
-                                          </p:spTgt>
-                                        </p:tgtEl>
-                                        <p:attrNameLst>
-                                          <p:attrName>style.visibility</p:attrName>
-                                        </p:attrNameLst>
-                                      </p:cBhvr>
-                                      <p:to>
-                                        <p:strVal val="visible"/>
-                                      </p:to>
-                                    </p:set>
-                                    <p:animEffect transition="in" filter="fade">
-                                      <p:cBhvr>
-                                        <p:cTn id="21" dur="500"/>
-                                        <p:tgtEl>
-                                          <p:spTgt spid="3">
-                                            <p:txEl>
-                                              <p:pRg st="3" end="3"/>
-                                            </p:txEl>
-                                          </p:spTgt>
-                                        </p:tgtEl>
-                                      </p:cBhvr>
-                                    </p:animEffect>
-                                  </p:childTnLst>
-                                </p:cTn>
-                              </p:par>
-                              <p:par>
-                                <p:cTn id="22" presetID="10" presetClass="entr" presetSubtype="0" fill="hold" nodeType="withEffect">
-                                  <p:stCondLst>
-                                    <p:cond delay="0"/>
-                                  </p:stCondLst>
-                                  <p:childTnLst>
-                                    <p:set>
-                                      <p:cBhvr>
-                                        <p:cTn id="23" dur="1" fill="hold">
-                                          <p:stCondLst>
-                                            <p:cond delay="0"/>
-                                          </p:stCondLst>
-                                        </p:cTn>
-                                        <p:tgtEl>
-                                          <p:spTgt spid="3">
-                                            <p:txEl>
-                                              <p:pRg st="4" end="4"/>
-                                            </p:txEl>
-                                          </p:spTgt>
-                                        </p:tgtEl>
-                                        <p:attrNameLst>
-                                          <p:attrName>style.visibility</p:attrName>
-                                        </p:attrNameLst>
-                                      </p:cBhvr>
-                                      <p:to>
-                                        <p:strVal val="visible"/>
-                                      </p:to>
-                                    </p:set>
-                                    <p:animEffect transition="in" filter="fade">
-                                      <p:cBhvr>
-                                        <p:cTn id="24" dur="500"/>
-                                        <p:tgtEl>
-                                          <p:spTgt spid="3">
-                                            <p:txEl>
-                                              <p:pRg st="4" end="4"/>
-                                            </p:txEl>
-                                          </p:spTgt>
-                                        </p:tgtEl>
-                                      </p:cBhvr>
-                                    </p:animEffect>
-                                  </p:childTnLst>
-                                </p:cTn>
-                              </p:par>
-                              <p:par>
-                                <p:cTn id="25" presetID="10" presetClass="entr" presetSubtype="0" fill="hold" nodeType="withEffect">
-                                  <p:stCondLst>
-                                    <p:cond delay="0"/>
-                                  </p:stCondLst>
-                                  <p:childTnLst>
-                                    <p:set>
-                                      <p:cBhvr>
-                                        <p:cTn id="26" dur="1" fill="hold">
-                                          <p:stCondLst>
-                                            <p:cond delay="0"/>
-                                          </p:stCondLst>
-                                        </p:cTn>
-                                        <p:tgtEl>
-                                          <p:spTgt spid="3">
-                                            <p:txEl>
-                                              <p:pRg st="5" end="5"/>
-                                            </p:txEl>
-                                          </p:spTgt>
-                                        </p:tgtEl>
-                                        <p:attrNameLst>
-                                          <p:attrName>style.visibility</p:attrName>
-                                        </p:attrNameLst>
-                                      </p:cBhvr>
-                                      <p:to>
-                                        <p:strVal val="visible"/>
-                                      </p:to>
-                                    </p:set>
-                                    <p:animEffect transition="in" filter="fade">
-                                      <p:cBhvr>
-                                        <p:cTn id="27" dur="500"/>
-                                        <p:tgtEl>
-                                          <p:spTgt spid="3">
-                                            <p:txEl>
-                                              <p:pRg st="5" end="5"/>
-                                            </p:txEl>
-                                          </p:spTgt>
-                                        </p:tgtEl>
-                                      </p:cBhvr>
-                                    </p:animEffect>
-                                  </p:childTnLst>
-                                </p:cTn>
-                              </p:par>
-                              <p:par>
-                                <p:cTn id="28" presetID="10" presetClass="entr" presetSubtype="0" fill="hold" nodeType="withEffect">
-                                  <p:stCondLst>
-                                    <p:cond delay="0"/>
-                                  </p:stCondLst>
-                                  <p:childTnLst>
-                                    <p:set>
-                                      <p:cBhvr>
-                                        <p:cTn id="29" dur="1" fill="hold">
-                                          <p:stCondLst>
-                                            <p:cond delay="0"/>
-                                          </p:stCondLst>
-                                        </p:cTn>
-                                        <p:tgtEl>
-                                          <p:spTgt spid="3">
-                                            <p:txEl>
-                                              <p:pRg st="6" end="6"/>
-                                            </p:txEl>
-                                          </p:spTgt>
-                                        </p:tgtEl>
-                                        <p:attrNameLst>
-                                          <p:attrName>style.visibility</p:attrName>
-                                        </p:attrNameLst>
-                                      </p:cBhvr>
-                                      <p:to>
-                                        <p:strVal val="visible"/>
-                                      </p:to>
-                                    </p:set>
-                                    <p:animEffect transition="in" filter="fade">
-                                      <p:cBhvr>
-                                        <p:cTn id="30" dur="500"/>
-                                        <p:tgtEl>
-                                          <p:spTgt spid="3">
-                                            <p:txEl>
-                                              <p:pRg st="6" end="6"/>
-                                            </p:txEl>
-                                          </p:spTgt>
-                                        </p:tgtEl>
-                                      </p:cBhvr>
-                                    </p:animEffect>
-                                  </p:childTnLst>
-                                </p:cTn>
-                              </p:par>
-                            </p:childTnLst>
-                          </p:cTn>
-                        </p:par>
-                      </p:childTnLst>
-                    </p:cTn>
-                  </p:par>
-                </p:childTnLst>
-              </p:cTn>
-              <p:prevCondLst>
-                <p:cond evt="onPrev" delay="0">
-                  <p:tgtEl>
-                    <p:sldTgt/>
-                  </p:tgtEl>
-                </p:cond>
-              </p:prevCondLst>
-              <p:nextCondLst>
-                <p:cond evt="onNext" delay="0">
-                  <p:tgtEl>
-                    <p:sldTgt/>
-                  </p:tgtEl>
-                </p:cond>
-              </p:nextCondLst>
-            </p:seq>
-          </p:childTnLst>
-        </p:cTn>
-      </p:par>
-    </p:tnLst>
-    <p:bldLst>
-      <p:bldP spid="2" grpId="0"/>
-    </p:bldLst>
-  </p:timing>
-</p:sld>
-</file>
-
-<file path=ppt/slides/slide5.xml><?xml version="1.0" encoding="utf-8"?>
-<p:sld xmlns:a="http://schemas.openxmlformats.org/drawingml/2006/main" xmlns:r="http://schemas.openxmlformats.org/officeDocument/2006/relationships" xmlns:p="http://schemas.openxmlformats.org/presentationml/2006/main">
-  <p:cSld>
-    <p:spTree>
-      <p:nvGrpSpPr>
-        <p:cNvPr id="1" name=""/>
-        <p:cNvGrpSpPr/>
-        <p:nvPr/>
-      </p:nvGrpSpPr>
-      <p:grpSpPr>
-        <a:xfrm>
-          <a:off x="0" y="0"/>
-          <a:ext cx="0" cy="0"/>
-          <a:chOff x="0" y="0"/>
-          <a:chExt cx="0" cy="0"/>
-        </a:xfrm>
-      </p:grpSpPr>
-      <p:sp>
-        <p:nvSpPr>
-          <p:cNvPr id="2" name="Title 1"/>
-          <p:cNvSpPr>
-            <a:spLocks noGrp="1"/>
-          </p:cNvSpPr>
-          <p:nvPr>
-            <p:ph type="title"/>
-          </p:nvPr>
-        </p:nvSpPr>
-        <p:spPr/>
-        <p:txBody>
-          <a:bodyPr/>
-          <a:lstStyle/>
-          <a:p>
-            <a:r>
-              <a:rPr lang="sr-Latn-RS" dirty="0" smtClean="0">
-                <a:latin typeface="Times New Roman" panose="02020603050405020304" pitchFamily="18" charset="0"/>
-                <a:cs typeface="Times New Roman" panose="02020603050405020304" pitchFamily="18" charset="0"/>
-              </a:rPr>
-              <a:t>Podela i organizacija indeksa</a:t>
+              <a:t>rganizacija indeksa</a:t>
             </a:r>
             <a:endParaRPr lang="en-US" dirty="0">
               <a:latin typeface="Times New Roman" panose="02020603050405020304" pitchFamily="18" charset="0"/>
@@ -11534,71 +10193,6 @@
         <p:txBody>
           <a:bodyPr/>
           <a:lstStyle/>
-          <a:p>
-            <a:pPr algn="just"/>
-            <a:r>
-              <a:rPr lang="sr-Latn-RS" dirty="0" smtClean="0">
-                <a:latin typeface="Times New Roman" panose="02020603050405020304" pitchFamily="18" charset="0"/>
-                <a:cs typeface="Times New Roman" panose="02020603050405020304" pitchFamily="18" charset="0"/>
-              </a:rPr>
-              <a:t>Podela indeksa:</a:t>
-            </a:r>
-          </a:p>
-          <a:p>
-            <a:pPr lvl="1" algn="just"/>
-            <a:r>
-              <a:rPr lang="sr-Latn-RS" b="1" i="1" dirty="0" smtClean="0">
-                <a:latin typeface="Times New Roman" panose="02020603050405020304" pitchFamily="18" charset="0"/>
-                <a:cs typeface="Times New Roman" panose="02020603050405020304" pitchFamily="18" charset="0"/>
-              </a:rPr>
-              <a:t>Primarni i sekundarni </a:t>
-            </a:r>
-            <a:r>
-              <a:rPr lang="sr-Latn-RS" dirty="0" smtClean="0">
-                <a:latin typeface="Times New Roman" panose="02020603050405020304" pitchFamily="18" charset="0"/>
-                <a:cs typeface="Times New Roman" panose="02020603050405020304" pitchFamily="18" charset="0"/>
-              </a:rPr>
-              <a:t>u zavisnosti od toga da li search key sadrži primarni ključ ili ne</a:t>
-            </a:r>
-          </a:p>
-          <a:p>
-            <a:pPr lvl="1" algn="just"/>
-            <a:r>
-              <a:rPr lang="sr-Latn-RS" b="1" i="1" dirty="0" smtClean="0">
-                <a:latin typeface="Times New Roman" panose="02020603050405020304" pitchFamily="18" charset="0"/>
-                <a:cs typeface="Times New Roman" panose="02020603050405020304" pitchFamily="18" charset="0"/>
-              </a:rPr>
-              <a:t>Klasterovani i neklasterovani </a:t>
-            </a:r>
-            <a:r>
-              <a:rPr lang="sr-Latn-RS" dirty="0" smtClean="0">
-                <a:latin typeface="Times New Roman" panose="02020603050405020304" pitchFamily="18" charset="0"/>
-                <a:cs typeface="Times New Roman" panose="02020603050405020304" pitchFamily="18" charset="0"/>
-              </a:rPr>
-              <a:t>u zavisnosti od toga da li je fajl organizovan tako da je redosled slogova isti kao redosled data entries u indeksu</a:t>
-            </a:r>
-          </a:p>
-          <a:p>
-            <a:pPr lvl="1" algn="just"/>
-            <a:r>
-              <a:rPr lang="sr-Latn-RS" b="1" i="1" dirty="0" smtClean="0">
-                <a:latin typeface="Times New Roman" panose="02020603050405020304" pitchFamily="18" charset="0"/>
-                <a:cs typeface="Times New Roman" panose="02020603050405020304" pitchFamily="18" charset="0"/>
-              </a:rPr>
-              <a:t>Gusti i retki </a:t>
-            </a:r>
-            <a:r>
-              <a:rPr lang="sr-Latn-RS" dirty="0" smtClean="0">
-                <a:latin typeface="Times New Roman" panose="02020603050405020304" pitchFamily="18" charset="0"/>
-                <a:cs typeface="Times New Roman" panose="02020603050405020304" pitchFamily="18" charset="0"/>
-              </a:rPr>
-              <a:t>u zavisnosti od toga da li za svaki search key postoji barem jedan data entry ili ne</a:t>
-            </a:r>
-            <a:endParaRPr lang="sr-Latn-RS" dirty="0">
-              <a:latin typeface="Times New Roman" panose="02020603050405020304" pitchFamily="18" charset="0"/>
-              <a:cs typeface="Times New Roman" panose="02020603050405020304" pitchFamily="18" charset="0"/>
-            </a:endParaRPr>
-          </a:p>
           <a:p>
             <a:pPr algn="just"/>
             <a:r>
@@ -11981,11 +10575,7 @@
                                           </p:stCondLst>
                                         </p:cTn>
                                         <p:tgtEl>
-                                          <p:spTgt spid="3">
-                                            <p:txEl>
-                                              <p:pRg st="2" end="2"/>
-                                            </p:txEl>
-                                          </p:spTgt>
+                                          <p:spTgt spid="4"/>
                                         </p:tgtEl>
                                         <p:attrNameLst>
                                           <p:attrName>style.visibility</p:attrName>
@@ -11999,11 +10589,7 @@
                                       <p:cBhvr>
                                         <p:cTn id="16" dur="500"/>
                                         <p:tgtEl>
-                                          <p:spTgt spid="3">
-                                            <p:txEl>
-                                              <p:pRg st="2" end="2"/>
-                                            </p:txEl>
-                                          </p:spTgt>
+                                          <p:spTgt spid="4"/>
                                         </p:tgtEl>
                                       </p:cBhvr>
                                     </p:animEffect>
@@ -12011,7 +10597,7 @@
                                 </p:cTn>
                               </p:par>
                               <p:par>
-                                <p:cTn id="17" presetID="10" presetClass="entr" presetSubtype="0" fill="hold" nodeType="withEffect">
+                                <p:cTn id="17" presetID="10" presetClass="entr" presetSubtype="0" fill="hold" grpId="0" nodeType="withEffect">
                                   <p:stCondLst>
                                     <p:cond delay="0"/>
                                   </p:stCondLst>
@@ -12024,11 +10610,7 @@
                                           </p:stCondLst>
                                         </p:cTn>
                                         <p:tgtEl>
-                                          <p:spTgt spid="3">
-                                            <p:txEl>
-                                              <p:pRg st="3" end="3"/>
-                                            </p:txEl>
-                                          </p:spTgt>
+                                          <p:spTgt spid="6"/>
                                         </p:tgtEl>
                                         <p:attrNameLst>
                                           <p:attrName>style.visibility</p:attrName>
@@ -12042,11 +10624,7 @@
                                       <p:cBhvr>
                                         <p:cTn id="19" dur="500"/>
                                         <p:tgtEl>
-                                          <p:spTgt spid="3">
-                                            <p:txEl>
-                                              <p:pRg st="3" end="3"/>
-                                            </p:txEl>
-                                          </p:spTgt>
+                                          <p:spTgt spid="6"/>
                                         </p:tgtEl>
                                       </p:cBhvr>
                                     </p:animEffect>
@@ -12087,7 +10665,7 @@
                                         <p:tgtEl>
                                           <p:spTgt spid="3">
                                             <p:txEl>
-                                              <p:pRg st="4" end="4"/>
+                                              <p:pRg st="2" end="2"/>
                                             </p:txEl>
                                           </p:spTgt>
                                         </p:tgtEl>
@@ -12105,7 +10683,7 @@
                                         <p:tgtEl>
                                           <p:spTgt spid="3">
                                             <p:txEl>
-                                              <p:pRg st="4" end="4"/>
+                                              <p:pRg st="2" end="2"/>
                                             </p:txEl>
                                           </p:spTgt>
                                         </p:tgtEl>
@@ -12128,11 +10706,7 @@
                                           </p:stCondLst>
                                         </p:cTn>
                                         <p:tgtEl>
-                                          <p:spTgt spid="3">
-                                            <p:txEl>
-                                              <p:pRg st="5" end="5"/>
-                                            </p:txEl>
-                                          </p:spTgt>
+                                          <p:spTgt spid="5"/>
                                         </p:tgtEl>
                                         <p:attrNameLst>
                                           <p:attrName>style.visibility</p:attrName>
@@ -12146,11 +10720,7 @@
                                       <p:cBhvr>
                                         <p:cTn id="27" dur="500"/>
                                         <p:tgtEl>
-                                          <p:spTgt spid="3">
-                                            <p:txEl>
-                                              <p:pRg st="5" end="5"/>
-                                            </p:txEl>
-                                          </p:spTgt>
+                                          <p:spTgt spid="5"/>
                                         </p:tgtEl>
                                       </p:cBhvr>
                                     </p:animEffect>
@@ -12158,7 +10728,7 @@
                                 </p:cTn>
                               </p:par>
                               <p:par>
-                                <p:cTn id="28" presetID="10" presetClass="entr" presetSubtype="0" fill="hold" nodeType="withEffect">
+                                <p:cTn id="28" presetID="10" presetClass="entr" presetSubtype="0" fill="hold" grpId="0" nodeType="withEffect">
                                   <p:stCondLst>
                                     <p:cond delay="0"/>
                                   </p:stCondLst>
@@ -12171,7 +10741,7 @@
                                           </p:stCondLst>
                                         </p:cTn>
                                         <p:tgtEl>
-                                          <p:spTgt spid="4"/>
+                                          <p:spTgt spid="7"/>
                                         </p:tgtEl>
                                         <p:attrNameLst>
                                           <p:attrName>style.visibility</p:attrName>
@@ -12184,172 +10754,6 @@
                                     <p:animEffect transition="in" filter="fade">
                                       <p:cBhvr>
                                         <p:cTn id="30" dur="500"/>
-                                        <p:tgtEl>
-                                          <p:spTgt spid="4"/>
-                                        </p:tgtEl>
-                                      </p:cBhvr>
-                                    </p:animEffect>
-                                  </p:childTnLst>
-                                </p:cTn>
-                              </p:par>
-                              <p:par>
-                                <p:cTn id="31" presetID="10" presetClass="entr" presetSubtype="0" fill="hold" grpId="0" nodeType="withEffect">
-                                  <p:stCondLst>
-                                    <p:cond delay="0"/>
-                                  </p:stCondLst>
-                                  <p:childTnLst>
-                                    <p:set>
-                                      <p:cBhvr>
-                                        <p:cTn id="32" dur="1" fill="hold">
-                                          <p:stCondLst>
-                                            <p:cond delay="0"/>
-                                          </p:stCondLst>
-                                        </p:cTn>
-                                        <p:tgtEl>
-                                          <p:spTgt spid="6"/>
-                                        </p:tgtEl>
-                                        <p:attrNameLst>
-                                          <p:attrName>style.visibility</p:attrName>
-                                        </p:attrNameLst>
-                                      </p:cBhvr>
-                                      <p:to>
-                                        <p:strVal val="visible"/>
-                                      </p:to>
-                                    </p:set>
-                                    <p:animEffect transition="in" filter="fade">
-                                      <p:cBhvr>
-                                        <p:cTn id="33" dur="500"/>
-                                        <p:tgtEl>
-                                          <p:spTgt spid="6"/>
-                                        </p:tgtEl>
-                                      </p:cBhvr>
-                                    </p:animEffect>
-                                  </p:childTnLst>
-                                </p:cTn>
-                              </p:par>
-                            </p:childTnLst>
-                          </p:cTn>
-                        </p:par>
-                      </p:childTnLst>
-                    </p:cTn>
-                  </p:par>
-                  <p:par>
-                    <p:cTn id="34" fill="hold">
-                      <p:stCondLst>
-                        <p:cond delay="indefinite"/>
-                      </p:stCondLst>
-                      <p:childTnLst>
-                        <p:par>
-                          <p:cTn id="35" fill="hold">
-                            <p:stCondLst>
-                              <p:cond delay="0"/>
-                            </p:stCondLst>
-                            <p:childTnLst>
-                              <p:par>
-                                <p:cTn id="36" presetID="10" presetClass="entr" presetSubtype="0" fill="hold" nodeType="clickEffect">
-                                  <p:stCondLst>
-                                    <p:cond delay="0"/>
-                                  </p:stCondLst>
-                                  <p:childTnLst>
-                                    <p:set>
-                                      <p:cBhvr>
-                                        <p:cTn id="37" dur="1" fill="hold">
-                                          <p:stCondLst>
-                                            <p:cond delay="0"/>
-                                          </p:stCondLst>
-                                        </p:cTn>
-                                        <p:tgtEl>
-                                          <p:spTgt spid="3">
-                                            <p:txEl>
-                                              <p:pRg st="6" end="6"/>
-                                            </p:txEl>
-                                          </p:spTgt>
-                                        </p:tgtEl>
-                                        <p:attrNameLst>
-                                          <p:attrName>style.visibility</p:attrName>
-                                        </p:attrNameLst>
-                                      </p:cBhvr>
-                                      <p:to>
-                                        <p:strVal val="visible"/>
-                                      </p:to>
-                                    </p:set>
-                                    <p:animEffect transition="in" filter="fade">
-                                      <p:cBhvr>
-                                        <p:cTn id="38" dur="500"/>
-                                        <p:tgtEl>
-                                          <p:spTgt spid="3">
-                                            <p:txEl>
-                                              <p:pRg st="6" end="6"/>
-                                            </p:txEl>
-                                          </p:spTgt>
-                                        </p:tgtEl>
-                                      </p:cBhvr>
-                                    </p:animEffect>
-                                  </p:childTnLst>
-                                </p:cTn>
-                              </p:par>
-                              <p:par>
-                                <p:cTn id="39" presetID="10" presetClass="entr" presetSubtype="0" fill="hold" nodeType="withEffect">
-                                  <p:stCondLst>
-                                    <p:cond delay="0"/>
-                                  </p:stCondLst>
-                                  <p:childTnLst>
-                                    <p:set>
-                                      <p:cBhvr>
-                                        <p:cTn id="40" dur="1" fill="hold">
-                                          <p:stCondLst>
-                                            <p:cond delay="0"/>
-                                          </p:stCondLst>
-                                        </p:cTn>
-                                        <p:tgtEl>
-                                          <p:spTgt spid="5"/>
-                                        </p:tgtEl>
-                                        <p:attrNameLst>
-                                          <p:attrName>style.visibility</p:attrName>
-                                        </p:attrNameLst>
-                                      </p:cBhvr>
-                                      <p:to>
-                                        <p:strVal val="visible"/>
-                                      </p:to>
-                                    </p:set>
-                                    <p:animEffect transition="in" filter="fade">
-                                      <p:cBhvr>
-                                        <p:cTn id="41" dur="500"/>
-                                        <p:tgtEl>
-                                          <p:spTgt spid="5"/>
-                                        </p:tgtEl>
-                                      </p:cBhvr>
-                                    </p:animEffect>
-                                  </p:childTnLst>
-                                </p:cTn>
-                              </p:par>
-                              <p:par>
-                                <p:cTn id="42" presetID="10" presetClass="entr" presetSubtype="0" fill="hold" grpId="0" nodeType="withEffect">
-                                  <p:stCondLst>
-                                    <p:cond delay="0"/>
-                                  </p:stCondLst>
-                                  <p:childTnLst>
-                                    <p:set>
-                                      <p:cBhvr>
-                                        <p:cTn id="43" dur="1" fill="hold">
-                                          <p:stCondLst>
-                                            <p:cond delay="0"/>
-                                          </p:stCondLst>
-                                        </p:cTn>
-                                        <p:tgtEl>
-                                          <p:spTgt spid="7"/>
-                                        </p:tgtEl>
-                                        <p:attrNameLst>
-                                          <p:attrName>style.visibility</p:attrName>
-                                        </p:attrNameLst>
-                                      </p:cBhvr>
-                                      <p:to>
-                                        <p:strVal val="visible"/>
-                                      </p:to>
-                                    </p:set>
-                                    <p:animEffect transition="in" filter="fade">
-                                      <p:cBhvr>
-                                        <p:cTn id="44" dur="500"/>
                                         <p:tgtEl>
                                           <p:spTgt spid="7"/>
                                         </p:tgtEl>
@@ -12394,7 +10798,7 @@
 </p:sld>
 </file>
 
-<file path=ppt/slides/slide6.xml><?xml version="1.0" encoding="utf-8"?>
+<file path=ppt/slides/slide5.xml><?xml version="1.0" encoding="utf-8"?>
 <p:sld xmlns:a="http://schemas.openxmlformats.org/drawingml/2006/main" xmlns:r="http://schemas.openxmlformats.org/officeDocument/2006/relationships" xmlns:p="http://schemas.openxmlformats.org/presentationml/2006/main">
   <p:cSld>
     <p:spTree>
@@ -13052,7 +11456,7 @@
 </p:sld>
 </file>
 
-<file path=ppt/slides/slide7.xml><?xml version="1.0" encoding="utf-8"?>
+<file path=ppt/slides/slide6.xml><?xml version="1.0" encoding="utf-8"?>
 <p:sld xmlns:a="http://schemas.openxmlformats.org/drawingml/2006/main" xmlns:r="http://schemas.openxmlformats.org/officeDocument/2006/relationships" xmlns:p="http://schemas.openxmlformats.org/presentationml/2006/main">
   <p:cSld>
     <p:spTree>
@@ -13508,7 +11912,7 @@
 </p:sld>
 </file>
 
-<file path=ppt/slides/slide8.xml><?xml version="1.0" encoding="utf-8"?>
+<file path=ppt/slides/slide7.xml><?xml version="1.0" encoding="utf-8"?>
 <p:sld xmlns:a="http://schemas.openxmlformats.org/drawingml/2006/main" xmlns:r="http://schemas.openxmlformats.org/officeDocument/2006/relationships" xmlns:p="http://schemas.openxmlformats.org/presentationml/2006/main">
   <p:cSld>
     <p:spTree>
@@ -14591,7 +12995,7 @@
 </p:sld>
 </file>
 
-<file path=ppt/slides/slide9.xml><?xml version="1.0" encoding="utf-8"?>
+<file path=ppt/slides/slide8.xml><?xml version="1.0" encoding="utf-8"?>
 <p:sld xmlns:a="http://schemas.openxmlformats.org/drawingml/2006/main" xmlns:r="http://schemas.openxmlformats.org/officeDocument/2006/relationships" xmlns:p="http://schemas.openxmlformats.org/presentationml/2006/main">
   <p:cSld>
     <p:spTree>
@@ -15210,6 +13614,485 @@
                                           <p:spTgt spid="3">
                                             <p:txEl>
                                               <p:pRg st="6" end="6"/>
+                                            </p:txEl>
+                                          </p:spTgt>
+                                        </p:tgtEl>
+                                      </p:cBhvr>
+                                    </p:animEffect>
+                                  </p:childTnLst>
+                                </p:cTn>
+                              </p:par>
+                            </p:childTnLst>
+                          </p:cTn>
+                        </p:par>
+                      </p:childTnLst>
+                    </p:cTn>
+                  </p:par>
+                </p:childTnLst>
+              </p:cTn>
+              <p:prevCondLst>
+                <p:cond evt="onPrev" delay="0">
+                  <p:tgtEl>
+                    <p:sldTgt/>
+                  </p:tgtEl>
+                </p:cond>
+              </p:prevCondLst>
+              <p:nextCondLst>
+                <p:cond evt="onNext" delay="0">
+                  <p:tgtEl>
+                    <p:sldTgt/>
+                  </p:tgtEl>
+                </p:cond>
+              </p:nextCondLst>
+            </p:seq>
+          </p:childTnLst>
+        </p:cTn>
+      </p:par>
+    </p:tnLst>
+  </p:timing>
+</p:sld>
+</file>
+
+<file path=ppt/slides/slide9.xml><?xml version="1.0" encoding="utf-8"?>
+<p:sld xmlns:a="http://schemas.openxmlformats.org/drawingml/2006/main" xmlns:r="http://schemas.openxmlformats.org/officeDocument/2006/relationships" xmlns:p="http://schemas.openxmlformats.org/presentationml/2006/main">
+  <p:cSld>
+    <p:spTree>
+      <p:nvGrpSpPr>
+        <p:cNvPr id="1" name=""/>
+        <p:cNvGrpSpPr/>
+        <p:nvPr/>
+      </p:nvGrpSpPr>
+      <p:grpSpPr>
+        <a:xfrm>
+          <a:off x="0" y="0"/>
+          <a:ext cx="0" cy="0"/>
+          <a:chOff x="0" y="0"/>
+          <a:chExt cx="0" cy="0"/>
+        </a:xfrm>
+      </p:grpSpPr>
+      <p:sp>
+        <p:nvSpPr>
+          <p:cNvPr id="3" name="Content Placeholder 2"/>
+          <p:cNvSpPr>
+            <a:spLocks noGrp="1"/>
+          </p:cNvSpPr>
+          <p:nvPr>
+            <p:ph idx="1"/>
+          </p:nvPr>
+        </p:nvSpPr>
+        <p:spPr>
+          <a:xfrm>
+            <a:off x="646112" y="383178"/>
+            <a:ext cx="9403742" cy="5865222"/>
+          </a:xfrm>
+        </p:spPr>
+        <p:txBody>
+          <a:bodyPr/>
+          <a:lstStyle/>
+          <a:p>
+            <a:endParaRPr lang="sr-Latn-RS" dirty="0" smtClean="0">
+              <a:latin typeface="Times New Roman" panose="02020603050405020304" pitchFamily="18" charset="0"/>
+              <a:cs typeface="Times New Roman" panose="02020603050405020304" pitchFamily="18" charset="0"/>
+            </a:endParaRPr>
+          </a:p>
+          <a:p>
+            <a:endParaRPr lang="sr-Latn-RS" dirty="0">
+              <a:latin typeface="Times New Roman" panose="02020603050405020304" pitchFamily="18" charset="0"/>
+              <a:cs typeface="Times New Roman" panose="02020603050405020304" pitchFamily="18" charset="0"/>
+            </a:endParaRPr>
+          </a:p>
+          <a:p>
+            <a:endParaRPr lang="sr-Latn-RS" dirty="0" smtClean="0">
+              <a:latin typeface="Times New Roman" panose="02020603050405020304" pitchFamily="18" charset="0"/>
+              <a:cs typeface="Times New Roman" panose="02020603050405020304" pitchFamily="18" charset="0"/>
+            </a:endParaRPr>
+          </a:p>
+          <a:p>
+            <a:endParaRPr lang="sr-Latn-RS" dirty="0">
+              <a:latin typeface="Times New Roman" panose="02020603050405020304" pitchFamily="18" charset="0"/>
+              <a:cs typeface="Times New Roman" panose="02020603050405020304" pitchFamily="18" charset="0"/>
+            </a:endParaRPr>
+          </a:p>
+          <a:p>
+            <a:endParaRPr lang="sr-Latn-RS" dirty="0" smtClean="0">
+              <a:latin typeface="Times New Roman" panose="02020603050405020304" pitchFamily="18" charset="0"/>
+              <a:cs typeface="Times New Roman" panose="02020603050405020304" pitchFamily="18" charset="0"/>
+            </a:endParaRPr>
+          </a:p>
+          <a:p>
+            <a:endParaRPr lang="sr-Latn-RS" dirty="0">
+              <a:latin typeface="Times New Roman" panose="02020603050405020304" pitchFamily="18" charset="0"/>
+              <a:cs typeface="Times New Roman" panose="02020603050405020304" pitchFamily="18" charset="0"/>
+            </a:endParaRPr>
+          </a:p>
+          <a:p>
+            <a:endParaRPr lang="sr-Latn-RS" dirty="0" smtClean="0">
+              <a:latin typeface="Times New Roman" panose="02020603050405020304" pitchFamily="18" charset="0"/>
+              <a:cs typeface="Times New Roman" panose="02020603050405020304" pitchFamily="18" charset="0"/>
+            </a:endParaRPr>
+          </a:p>
+          <a:p>
+            <a:endParaRPr lang="sr-Latn-RS" dirty="0" smtClean="0">
+              <a:latin typeface="Times New Roman" panose="02020603050405020304" pitchFamily="18" charset="0"/>
+              <a:cs typeface="Times New Roman" panose="02020603050405020304" pitchFamily="18" charset="0"/>
+            </a:endParaRPr>
+          </a:p>
+          <a:p>
+            <a:endParaRPr lang="sr-Latn-RS" dirty="0">
+              <a:latin typeface="Times New Roman" panose="02020603050405020304" pitchFamily="18" charset="0"/>
+              <a:cs typeface="Times New Roman" panose="02020603050405020304" pitchFamily="18" charset="0"/>
+            </a:endParaRPr>
+          </a:p>
+          <a:p>
+            <a:r>
+              <a:rPr lang="sr-Latn-RS" b="1" i="1" dirty="0" smtClean="0">
+                <a:latin typeface="Times New Roman" panose="02020603050405020304" pitchFamily="18" charset="0"/>
+                <a:cs typeface="Times New Roman" panose="02020603050405020304" pitchFamily="18" charset="0"/>
+              </a:rPr>
+              <a:t>Hashed indeksi </a:t>
+            </a:r>
+            <a:r>
+              <a:rPr lang="sr-Latn-RS" dirty="0" smtClean="0">
+                <a:latin typeface="Times New Roman" panose="02020603050405020304" pitchFamily="18" charset="0"/>
+                <a:cs typeface="Times New Roman" panose="02020603050405020304" pitchFamily="18" charset="0"/>
+              </a:rPr>
+              <a:t>– čuva se heširana vrednost indeksiranog polja</a:t>
+            </a:r>
+          </a:p>
+          <a:p>
+            <a:pPr lvl="1"/>
+            <a:r>
+              <a:rPr lang="sr-Latn-RS" dirty="0" smtClean="0">
+                <a:latin typeface="Times New Roman" panose="02020603050405020304" pitchFamily="18" charset="0"/>
+                <a:cs typeface="Times New Roman" panose="02020603050405020304" pitchFamily="18" charset="0"/>
+              </a:rPr>
+              <a:t>Nisu podržani compound i multikey hashed indeksi</a:t>
+            </a:r>
+          </a:p>
+          <a:p>
+            <a:pPr lvl="1"/>
+            <a:r>
+              <a:rPr lang="sr-Latn-RS" dirty="0" smtClean="0">
+                <a:latin typeface="Times New Roman" panose="02020603050405020304" pitchFamily="18" charset="0"/>
+                <a:cs typeface="Times New Roman" panose="02020603050405020304" pitchFamily="18" charset="0"/>
+              </a:rPr>
+              <a:t>Podržana je samo pretraga po jednakosti</a:t>
+            </a:r>
+            <a:endParaRPr lang="en-US" dirty="0">
+              <a:latin typeface="Times New Roman" panose="02020603050405020304" pitchFamily="18" charset="0"/>
+              <a:cs typeface="Times New Roman" panose="02020603050405020304" pitchFamily="18" charset="0"/>
+            </a:endParaRPr>
+          </a:p>
+        </p:txBody>
+      </p:sp>
+      <p:pic>
+        <p:nvPicPr>
+          <p:cNvPr id="4" name="Picture 3"/>
+          <p:cNvPicPr/>
+          <p:nvPr/>
+        </p:nvPicPr>
+        <p:blipFill rotWithShape="1">
+          <a:blip r:embed="rId2">
+            <a:extLst>
+              <a:ext uri="{28A0092B-C50C-407E-A947-70E740481C1C}">
+                <a14:useLocalDpi xmlns:a14="http://schemas.microsoft.com/office/drawing/2010/main" val="0"/>
+              </a:ext>
+            </a:extLst>
+          </a:blip>
+          <a:srcRect b="93135"/>
+          <a:stretch/>
+        </p:blipFill>
+        <p:spPr>
+          <a:xfrm>
+            <a:off x="2348047" y="130629"/>
+            <a:ext cx="5933803" cy="261258"/>
+          </a:xfrm>
+          <a:prstGeom prst="rect">
+            <a:avLst/>
+          </a:prstGeom>
+        </p:spPr>
+      </p:pic>
+      <p:pic>
+        <p:nvPicPr>
+          <p:cNvPr id="5" name="Picture 4"/>
+          <p:cNvPicPr/>
+          <p:nvPr/>
+        </p:nvPicPr>
+        <p:blipFill rotWithShape="1">
+          <a:blip r:embed="rId2">
+            <a:extLst>
+              <a:ext uri="{28A0092B-C50C-407E-A947-70E740481C1C}">
+                <a14:useLocalDpi xmlns:a14="http://schemas.microsoft.com/office/drawing/2010/main" val="0"/>
+              </a:ext>
+            </a:extLst>
+          </a:blip>
+          <a:srcRect t="8784" r="28198"/>
+          <a:stretch/>
+        </p:blipFill>
+        <p:spPr>
+          <a:xfrm>
+            <a:off x="3070860" y="548640"/>
+            <a:ext cx="4758145" cy="3370218"/>
+          </a:xfrm>
+          <a:prstGeom prst="rect">
+            <a:avLst/>
+          </a:prstGeom>
+        </p:spPr>
+      </p:pic>
+    </p:spTree>
+    <p:extLst>
+      <p:ext uri="{BB962C8B-B14F-4D97-AF65-F5344CB8AC3E}">
+        <p14:creationId xmlns:p14="http://schemas.microsoft.com/office/powerpoint/2010/main" val="1775066325"/>
+      </p:ext>
+    </p:extLst>
+  </p:cSld>
+  <p:clrMapOvr>
+    <a:masterClrMapping/>
+  </p:clrMapOvr>
+  <mc:AlternateContent xmlns:mc="http://schemas.openxmlformats.org/markup-compatibility/2006" xmlns:p14="http://schemas.microsoft.com/office/powerpoint/2010/main">
+    <mc:Choice Requires="p14">
+      <p:transition spd="med" p14:dur="700">
+        <p:fade/>
+      </p:transition>
+    </mc:Choice>
+    <mc:Fallback xmlns="">
+      <p:transition spd="med">
+        <p:fade/>
+      </p:transition>
+    </mc:Fallback>
+  </mc:AlternateContent>
+  <p:timing>
+    <p:tnLst>
+      <p:par>
+        <p:cTn id="1" dur="indefinite" restart="never" nodeType="tmRoot">
+          <p:childTnLst>
+            <p:seq concurrent="1" nextAc="seek">
+              <p:cTn id="2" dur="indefinite" nodeType="mainSeq">
+                <p:childTnLst>
+                  <p:par>
+                    <p:cTn id="3" fill="hold">
+                      <p:stCondLst>
+                        <p:cond delay="indefinite"/>
+                        <p:cond evt="onBegin" delay="0">
+                          <p:tn val="2"/>
+                        </p:cond>
+                      </p:stCondLst>
+                      <p:childTnLst>
+                        <p:par>
+                          <p:cTn id="4" fill="hold">
+                            <p:stCondLst>
+                              <p:cond delay="0"/>
+                            </p:stCondLst>
+                            <p:childTnLst>
+                              <p:par>
+                                <p:cTn id="5" presetID="10" presetClass="entr" presetSubtype="0" fill="hold" nodeType="withEffect">
+                                  <p:stCondLst>
+                                    <p:cond delay="0"/>
+                                  </p:stCondLst>
+                                  <p:childTnLst>
+                                    <p:set>
+                                      <p:cBhvr>
+                                        <p:cTn id="6" dur="1" fill="hold">
+                                          <p:stCondLst>
+                                            <p:cond delay="0"/>
+                                          </p:stCondLst>
+                                        </p:cTn>
+                                        <p:tgtEl>
+                                          <p:spTgt spid="4"/>
+                                        </p:tgtEl>
+                                        <p:attrNameLst>
+                                          <p:attrName>style.visibility</p:attrName>
+                                        </p:attrNameLst>
+                                      </p:cBhvr>
+                                      <p:to>
+                                        <p:strVal val="visible"/>
+                                      </p:to>
+                                    </p:set>
+                                    <p:animEffect transition="in" filter="fade">
+                                      <p:cBhvr>
+                                        <p:cTn id="7" dur="500"/>
+                                        <p:tgtEl>
+                                          <p:spTgt spid="4"/>
+                                        </p:tgtEl>
+                                      </p:cBhvr>
+                                    </p:animEffect>
+                                  </p:childTnLst>
+                                </p:cTn>
+                              </p:par>
+                              <p:par>
+                                <p:cTn id="8" presetID="10" presetClass="entr" presetSubtype="0" fill="hold" nodeType="withEffect">
+                                  <p:stCondLst>
+                                    <p:cond delay="0"/>
+                                  </p:stCondLst>
+                                  <p:childTnLst>
+                                    <p:set>
+                                      <p:cBhvr>
+                                        <p:cTn id="9" dur="1" fill="hold">
+                                          <p:stCondLst>
+                                            <p:cond delay="0"/>
+                                          </p:stCondLst>
+                                        </p:cTn>
+                                        <p:tgtEl>
+                                          <p:spTgt spid="5"/>
+                                        </p:tgtEl>
+                                        <p:attrNameLst>
+                                          <p:attrName>style.visibility</p:attrName>
+                                        </p:attrNameLst>
+                                      </p:cBhvr>
+                                      <p:to>
+                                        <p:strVal val="visible"/>
+                                      </p:to>
+                                    </p:set>
+                                    <p:animEffect transition="in" filter="fade">
+                                      <p:cBhvr>
+                                        <p:cTn id="10" dur="500"/>
+                                        <p:tgtEl>
+                                          <p:spTgt spid="5"/>
+                                        </p:tgtEl>
+                                      </p:cBhvr>
+                                    </p:animEffect>
+                                  </p:childTnLst>
+                                </p:cTn>
+                              </p:par>
+                            </p:childTnLst>
+                          </p:cTn>
+                        </p:par>
+                      </p:childTnLst>
+                    </p:cTn>
+                  </p:par>
+                  <p:par>
+                    <p:cTn id="11" fill="hold">
+                      <p:stCondLst>
+                        <p:cond delay="indefinite"/>
+                      </p:stCondLst>
+                      <p:childTnLst>
+                        <p:par>
+                          <p:cTn id="12" fill="hold">
+                            <p:stCondLst>
+                              <p:cond delay="0"/>
+                            </p:stCondLst>
+                            <p:childTnLst>
+                              <p:par>
+                                <p:cTn id="13" presetID="10" presetClass="entr" presetSubtype="0" fill="hold" nodeType="clickEffect">
+                                  <p:stCondLst>
+                                    <p:cond delay="0"/>
+                                  </p:stCondLst>
+                                  <p:childTnLst>
+                                    <p:set>
+                                      <p:cBhvr>
+                                        <p:cTn id="14" dur="1" fill="hold">
+                                          <p:stCondLst>
+                                            <p:cond delay="0"/>
+                                          </p:stCondLst>
+                                        </p:cTn>
+                                        <p:tgtEl>
+                                          <p:spTgt spid="3">
+                                            <p:txEl>
+                                              <p:pRg st="9" end="9"/>
+                                            </p:txEl>
+                                          </p:spTgt>
+                                        </p:tgtEl>
+                                        <p:attrNameLst>
+                                          <p:attrName>style.visibility</p:attrName>
+                                        </p:attrNameLst>
+                                      </p:cBhvr>
+                                      <p:to>
+                                        <p:strVal val="visible"/>
+                                      </p:to>
+                                    </p:set>
+                                    <p:animEffect transition="in" filter="fade">
+                                      <p:cBhvr>
+                                        <p:cTn id="15" dur="500"/>
+                                        <p:tgtEl>
+                                          <p:spTgt spid="3">
+                                            <p:txEl>
+                                              <p:pRg st="9" end="9"/>
+                                            </p:txEl>
+                                          </p:spTgt>
+                                        </p:tgtEl>
+                                      </p:cBhvr>
+                                    </p:animEffect>
+                                  </p:childTnLst>
+                                </p:cTn>
+                              </p:par>
+                              <p:par>
+                                <p:cTn id="16" presetID="10" presetClass="entr" presetSubtype="0" fill="hold" nodeType="withEffect">
+                                  <p:stCondLst>
+                                    <p:cond delay="0"/>
+                                  </p:stCondLst>
+                                  <p:childTnLst>
+                                    <p:set>
+                                      <p:cBhvr>
+                                        <p:cTn id="17" dur="1" fill="hold">
+                                          <p:stCondLst>
+                                            <p:cond delay="0"/>
+                                          </p:stCondLst>
+                                        </p:cTn>
+                                        <p:tgtEl>
+                                          <p:spTgt spid="3">
+                                            <p:txEl>
+                                              <p:pRg st="10" end="10"/>
+                                            </p:txEl>
+                                          </p:spTgt>
+                                        </p:tgtEl>
+                                        <p:attrNameLst>
+                                          <p:attrName>style.visibility</p:attrName>
+                                        </p:attrNameLst>
+                                      </p:cBhvr>
+                                      <p:to>
+                                        <p:strVal val="visible"/>
+                                      </p:to>
+                                    </p:set>
+                                    <p:animEffect transition="in" filter="fade">
+                                      <p:cBhvr>
+                                        <p:cTn id="18" dur="500"/>
+                                        <p:tgtEl>
+                                          <p:spTgt spid="3">
+                                            <p:txEl>
+                                              <p:pRg st="10" end="10"/>
+                                            </p:txEl>
+                                          </p:spTgt>
+                                        </p:tgtEl>
+                                      </p:cBhvr>
+                                    </p:animEffect>
+                                  </p:childTnLst>
+                                </p:cTn>
+                              </p:par>
+                              <p:par>
+                                <p:cTn id="19" presetID="10" presetClass="entr" presetSubtype="0" fill="hold" nodeType="withEffect">
+                                  <p:stCondLst>
+                                    <p:cond delay="0"/>
+                                  </p:stCondLst>
+                                  <p:childTnLst>
+                                    <p:set>
+                                      <p:cBhvr>
+                                        <p:cTn id="20" dur="1" fill="hold">
+                                          <p:stCondLst>
+                                            <p:cond delay="0"/>
+                                          </p:stCondLst>
+                                        </p:cTn>
+                                        <p:tgtEl>
+                                          <p:spTgt spid="3">
+                                            <p:txEl>
+                                              <p:pRg st="11" end="11"/>
+                                            </p:txEl>
+                                          </p:spTgt>
+                                        </p:tgtEl>
+                                        <p:attrNameLst>
+                                          <p:attrName>style.visibility</p:attrName>
+                                        </p:attrNameLst>
+                                      </p:cBhvr>
+                                      <p:to>
+                                        <p:strVal val="visible"/>
+                                      </p:to>
+                                    </p:set>
+                                    <p:animEffect transition="in" filter="fade">
+                                      <p:cBhvr>
+                                        <p:cTn id="21" dur="500"/>
+                                        <p:tgtEl>
+                                          <p:spTgt spid="3">
+                                            <p:txEl>
+                                              <p:pRg st="11" end="11"/>
                                             </p:txEl>
                                           </p:spTgt>
                                         </p:tgtEl>
